--- a/Documenti/submission-example-group-12/group-12/presentation.pptx
+++ b/Documenti/submission-example-group-12/group-12/presentation.pptx
@@ -4540,6 +4540,542 @@
       <dsp:cNvGrpSpPr/>
     </dsp:nvGrpSpPr>
     <dsp:grpSpPr/>
+    <dsp:sp modelId="{E534EAE4-7B7B-48C0-8ACF-3229FB9AF393}">
+      <dsp:nvSpPr>
+        <dsp:cNvPr id="0" name=""/>
+        <dsp:cNvSpPr/>
+      </dsp:nvSpPr>
+      <dsp:spPr>
+        <a:xfrm rot="5400000">
+          <a:off x="692443" y="1723770"/>
+          <a:ext cx="886533" cy="1009286"/>
+        </a:xfrm>
+        <a:prstGeom prst="bentUpArrow">
+          <a:avLst>
+            <a:gd name="adj1" fmla="val 32840"/>
+            <a:gd name="adj2" fmla="val 25000"/>
+            <a:gd name="adj3" fmla="val 35780"/>
+          </a:avLst>
+        </a:prstGeom>
+        <a:solidFill>
+          <a:schemeClr val="accent1">
+            <a:tint val="50000"/>
+            <a:hueOff val="0"/>
+            <a:satOff val="0"/>
+            <a:lumOff val="0"/>
+            <a:alphaOff val="0"/>
+          </a:schemeClr>
+        </a:solidFill>
+        <a:ln w="25400" cap="flat" cmpd="sng" algn="ctr">
+          <a:solidFill>
+            <a:schemeClr val="lt1">
+              <a:hueOff val="0"/>
+              <a:satOff val="0"/>
+              <a:lumOff val="0"/>
+              <a:alphaOff val="0"/>
+            </a:schemeClr>
+          </a:solidFill>
+          <a:prstDash val="solid"/>
+        </a:ln>
+        <a:effectLst/>
+      </dsp:spPr>
+      <dsp:style>
+        <a:lnRef idx="2">
+          <a:scrgbClr r="0" g="0" b="0"/>
+        </a:lnRef>
+        <a:fillRef idx="1">
+          <a:scrgbClr r="0" g="0" b="0"/>
+        </a:fillRef>
+        <a:effectRef idx="0">
+          <a:scrgbClr r="0" g="0" b="0"/>
+        </a:effectRef>
+        <a:fontRef idx="minor"/>
+      </dsp:style>
+    </dsp:sp>
+    <dsp:sp modelId="{1A209AD7-3D5B-4242-9335-5340A7004D7A}">
+      <dsp:nvSpPr>
+        <dsp:cNvPr id="0" name=""/>
+        <dsp:cNvSpPr/>
+      </dsp:nvSpPr>
+      <dsp:spPr>
+        <a:xfrm>
+          <a:off x="457565" y="741030"/>
+          <a:ext cx="1492400" cy="1044631"/>
+        </a:xfrm>
+        <a:prstGeom prst="roundRect">
+          <a:avLst>
+            <a:gd name="adj" fmla="val 16670"/>
+          </a:avLst>
+        </a:prstGeom>
+        <a:solidFill>
+          <a:schemeClr val="accent1">
+            <a:hueOff val="0"/>
+            <a:satOff val="0"/>
+            <a:lumOff val="0"/>
+            <a:alphaOff val="0"/>
+          </a:schemeClr>
+        </a:solidFill>
+        <a:ln w="25400" cap="flat" cmpd="sng" algn="ctr">
+          <a:solidFill>
+            <a:schemeClr val="lt1">
+              <a:hueOff val="0"/>
+              <a:satOff val="0"/>
+              <a:lumOff val="0"/>
+              <a:alphaOff val="0"/>
+            </a:schemeClr>
+          </a:solidFill>
+          <a:prstDash val="solid"/>
+        </a:ln>
+        <a:effectLst/>
+      </dsp:spPr>
+      <dsp:style>
+        <a:lnRef idx="2">
+          <a:scrgbClr r="0" g="0" b="0"/>
+        </a:lnRef>
+        <a:fillRef idx="1">
+          <a:scrgbClr r="0" g="0" b="0"/>
+        </a:fillRef>
+        <a:effectRef idx="0">
+          <a:scrgbClr r="0" g="0" b="0"/>
+        </a:effectRef>
+        <a:fontRef idx="minor">
+          <a:schemeClr val="lt1"/>
+        </a:fontRef>
+      </dsp:style>
+      <dsp:txBody>
+        <a:bodyPr spcFirstLastPara="0" vert="horz" wrap="square" lIns="91440" tIns="91440" rIns="91440" bIns="91440" numCol="1" spcCol="1270" anchor="ctr" anchorCtr="0">
+          <a:noAutofit/>
+        </a:bodyPr>
+        <a:lstStyle/>
+        <a:p>
+          <a:pPr lvl="0" algn="ctr" defTabSz="1066800">
+            <a:lnSpc>
+              <a:spcPct val="90000"/>
+            </a:lnSpc>
+            <a:spcBef>
+              <a:spcPct val="0"/>
+            </a:spcBef>
+            <a:spcAft>
+              <a:spcPct val="35000"/>
+            </a:spcAft>
+          </a:pPr>
+          <a:r>
+            <a:rPr lang="en-GB" sz="2400" kern="1200" dirty="0" smtClean="0"/>
+            <a:t>Initial Solution</a:t>
+          </a:r>
+          <a:endParaRPr lang="en-GB" sz="2400" kern="1200" dirty="0"/>
+        </a:p>
+      </dsp:txBody>
+      <dsp:txXfrm>
+        <a:off x="508569" y="792034"/>
+        <a:ext cx="1390392" cy="942623"/>
+      </dsp:txXfrm>
+    </dsp:sp>
+    <dsp:sp modelId="{E2EA7465-332E-43A0-B525-87E18862AAB7}">
+      <dsp:nvSpPr>
+        <dsp:cNvPr id="0" name=""/>
+        <dsp:cNvSpPr/>
+      </dsp:nvSpPr>
+      <dsp:spPr>
+        <a:xfrm>
+          <a:off x="2070410" y="844028"/>
+          <a:ext cx="4979094" cy="844317"/>
+        </a:xfrm>
+        <a:prstGeom prst="rect">
+          <a:avLst/>
+        </a:prstGeom>
+        <a:noFill/>
+        <a:ln>
+          <a:noFill/>
+        </a:ln>
+        <a:effectLst/>
+      </dsp:spPr>
+      <dsp:style>
+        <a:lnRef idx="0">
+          <a:scrgbClr r="0" g="0" b="0"/>
+        </a:lnRef>
+        <a:fillRef idx="0">
+          <a:scrgbClr r="0" g="0" b="0"/>
+        </a:fillRef>
+        <a:effectRef idx="0">
+          <a:scrgbClr r="0" g="0" b="0"/>
+        </a:effectRef>
+        <a:fontRef idx="minor"/>
+      </dsp:style>
+      <dsp:txBody>
+        <a:bodyPr spcFirstLastPara="0" vert="horz" wrap="square" lIns="68580" tIns="68580" rIns="68580" bIns="68580" numCol="1" spcCol="1270" anchor="ctr" anchorCtr="0">
+          <a:noAutofit/>
+        </a:bodyPr>
+        <a:lstStyle/>
+        <a:p>
+          <a:pPr marL="171450" lvl="1" indent="-171450" algn="l" defTabSz="800100">
+            <a:lnSpc>
+              <a:spcPct val="90000"/>
+            </a:lnSpc>
+            <a:spcBef>
+              <a:spcPct val="0"/>
+            </a:spcBef>
+            <a:spcAft>
+              <a:spcPct val="15000"/>
+            </a:spcAft>
+            <a:buChar char="••"/>
+          </a:pPr>
+          <a:r>
+            <a:rPr lang="en-GB" sz="1800" kern="1200" dirty="0" smtClean="0"/>
+            <a:t>The initial solution is generated by a pseudo-random algorithm, and is generally quite poor</a:t>
+          </a:r>
+          <a:endParaRPr lang="en-GB" sz="1800" kern="1200" dirty="0"/>
+        </a:p>
+      </dsp:txBody>
+      <dsp:txXfrm>
+        <a:off x="2070410" y="844028"/>
+        <a:ext cx="4979094" cy="844317"/>
+      </dsp:txXfrm>
+    </dsp:sp>
+    <dsp:sp modelId="{7586998F-137F-47FA-B2D9-3BF7DD31C7C7}">
+      <dsp:nvSpPr>
+        <dsp:cNvPr id="0" name=""/>
+        <dsp:cNvSpPr/>
+      </dsp:nvSpPr>
+      <dsp:spPr>
+        <a:xfrm rot="5400000">
+          <a:off x="2627976" y="2897236"/>
+          <a:ext cx="886533" cy="1009286"/>
+        </a:xfrm>
+        <a:prstGeom prst="bentUpArrow">
+          <a:avLst>
+            <a:gd name="adj1" fmla="val 32840"/>
+            <a:gd name="adj2" fmla="val 25000"/>
+            <a:gd name="adj3" fmla="val 35780"/>
+          </a:avLst>
+        </a:prstGeom>
+        <a:solidFill>
+          <a:schemeClr val="accent1">
+            <a:tint val="50000"/>
+            <a:hueOff val="0"/>
+            <a:satOff val="0"/>
+            <a:lumOff val="0"/>
+            <a:alphaOff val="0"/>
+          </a:schemeClr>
+        </a:solidFill>
+        <a:ln w="25400" cap="flat" cmpd="sng" algn="ctr">
+          <a:solidFill>
+            <a:schemeClr val="lt1">
+              <a:hueOff val="0"/>
+              <a:satOff val="0"/>
+              <a:lumOff val="0"/>
+              <a:alphaOff val="0"/>
+            </a:schemeClr>
+          </a:solidFill>
+          <a:prstDash val="solid"/>
+        </a:ln>
+        <a:effectLst/>
+      </dsp:spPr>
+      <dsp:style>
+        <a:lnRef idx="2">
+          <a:scrgbClr r="0" g="0" b="0"/>
+        </a:lnRef>
+        <a:fillRef idx="1">
+          <a:scrgbClr r="0" g="0" b="0"/>
+        </a:fillRef>
+        <a:effectRef idx="0">
+          <a:scrgbClr r="0" g="0" b="0"/>
+        </a:effectRef>
+        <a:fontRef idx="minor"/>
+      </dsp:style>
+    </dsp:sp>
+    <dsp:sp modelId="{193C99C1-12B3-4BF5-8B6C-9C0685ECC15D}">
+      <dsp:nvSpPr>
+        <dsp:cNvPr id="0" name=""/>
+        <dsp:cNvSpPr/>
+      </dsp:nvSpPr>
+      <dsp:spPr>
+        <a:xfrm>
+          <a:off x="2393099" y="1914496"/>
+          <a:ext cx="1492400" cy="1044631"/>
+        </a:xfrm>
+        <a:prstGeom prst="roundRect">
+          <a:avLst>
+            <a:gd name="adj" fmla="val 16670"/>
+          </a:avLst>
+        </a:prstGeom>
+        <a:solidFill>
+          <a:schemeClr val="accent1">
+            <a:hueOff val="0"/>
+            <a:satOff val="0"/>
+            <a:lumOff val="0"/>
+            <a:alphaOff val="0"/>
+          </a:schemeClr>
+        </a:solidFill>
+        <a:ln w="25400" cap="flat" cmpd="sng" algn="ctr">
+          <a:solidFill>
+            <a:schemeClr val="lt1">
+              <a:hueOff val="0"/>
+              <a:satOff val="0"/>
+              <a:lumOff val="0"/>
+              <a:alphaOff val="0"/>
+            </a:schemeClr>
+          </a:solidFill>
+          <a:prstDash val="solid"/>
+        </a:ln>
+        <a:effectLst/>
+      </dsp:spPr>
+      <dsp:style>
+        <a:lnRef idx="2">
+          <a:scrgbClr r="0" g="0" b="0"/>
+        </a:lnRef>
+        <a:fillRef idx="1">
+          <a:scrgbClr r="0" g="0" b="0"/>
+        </a:fillRef>
+        <a:effectRef idx="0">
+          <a:scrgbClr r="0" g="0" b="0"/>
+        </a:effectRef>
+        <a:fontRef idx="minor">
+          <a:schemeClr val="lt1"/>
+        </a:fontRef>
+      </dsp:style>
+      <dsp:txBody>
+        <a:bodyPr spcFirstLastPara="0" vert="horz" wrap="square" lIns="91440" tIns="91440" rIns="91440" bIns="91440" numCol="1" spcCol="1270" anchor="ctr" anchorCtr="0">
+          <a:noAutofit/>
+        </a:bodyPr>
+        <a:lstStyle/>
+        <a:p>
+          <a:pPr lvl="0" algn="ctr" defTabSz="1066800">
+            <a:lnSpc>
+              <a:spcPct val="90000"/>
+            </a:lnSpc>
+            <a:spcBef>
+              <a:spcPct val="0"/>
+            </a:spcBef>
+            <a:spcAft>
+              <a:spcPct val="35000"/>
+            </a:spcAft>
+          </a:pPr>
+          <a:r>
+            <a:rPr lang="en-GB" sz="2400" kern="1200" dirty="0" err="1" smtClean="0"/>
+            <a:t>Tabu</a:t>
+          </a:r>
+          <a:r>
+            <a:rPr lang="en-GB" sz="2400" kern="1200" dirty="0" smtClean="0"/>
+            <a:t> Search</a:t>
+          </a:r>
+          <a:endParaRPr lang="en-GB" sz="2400" kern="1200" dirty="0"/>
+        </a:p>
+      </dsp:txBody>
+      <dsp:txXfrm>
+        <a:off x="2444103" y="1965500"/>
+        <a:ext cx="1390392" cy="942623"/>
+      </dsp:txXfrm>
+    </dsp:sp>
+    <dsp:sp modelId="{42BC6418-9390-4DBB-B8A4-FECC20CDFAA2}">
+      <dsp:nvSpPr>
+        <dsp:cNvPr id="0" name=""/>
+        <dsp:cNvSpPr/>
+      </dsp:nvSpPr>
+      <dsp:spPr>
+        <a:xfrm>
+          <a:off x="3986542" y="2050482"/>
+          <a:ext cx="2870440" cy="844317"/>
+        </a:xfrm>
+        <a:prstGeom prst="rect">
+          <a:avLst/>
+        </a:prstGeom>
+        <a:noFill/>
+        <a:ln>
+          <a:noFill/>
+        </a:ln>
+        <a:effectLst/>
+      </dsp:spPr>
+      <dsp:style>
+        <a:lnRef idx="0">
+          <a:scrgbClr r="0" g="0" b="0"/>
+        </a:lnRef>
+        <a:fillRef idx="0">
+          <a:scrgbClr r="0" g="0" b="0"/>
+        </a:fillRef>
+        <a:effectRef idx="0">
+          <a:scrgbClr r="0" g="0" b="0"/>
+        </a:effectRef>
+        <a:fontRef idx="minor"/>
+      </dsp:style>
+      <dsp:txBody>
+        <a:bodyPr spcFirstLastPara="0" vert="horz" wrap="square" lIns="68580" tIns="68580" rIns="68580" bIns="68580" numCol="1" spcCol="1270" anchor="ctr" anchorCtr="0">
+          <a:noAutofit/>
+        </a:bodyPr>
+        <a:lstStyle/>
+        <a:p>
+          <a:pPr marL="171450" lvl="1" indent="-171450" algn="l" defTabSz="800100">
+            <a:lnSpc>
+              <a:spcPct val="90000"/>
+            </a:lnSpc>
+            <a:spcBef>
+              <a:spcPct val="0"/>
+            </a:spcBef>
+            <a:spcAft>
+              <a:spcPct val="15000"/>
+            </a:spcAft>
+            <a:buChar char="••"/>
+          </a:pPr>
+          <a:r>
+            <a:rPr lang="en-GB" sz="1800" kern="1200" dirty="0" smtClean="0"/>
+            <a:t>The original </a:t>
+          </a:r>
+          <a:r>
+            <a:rPr lang="en-GB" sz="1800" kern="1200" dirty="0" err="1" smtClean="0"/>
+            <a:t>Tabu</a:t>
+          </a:r>
+          <a:r>
+            <a:rPr lang="en-GB" sz="1800" kern="1200" dirty="0" smtClean="0"/>
+            <a:t> Search algorithm</a:t>
+          </a:r>
+          <a:endParaRPr lang="en-GB" sz="1800" kern="1200" dirty="0"/>
+        </a:p>
+      </dsp:txBody>
+      <dsp:txXfrm>
+        <a:off x="3986542" y="2050482"/>
+        <a:ext cx="2870440" cy="844317"/>
+      </dsp:txXfrm>
+    </dsp:sp>
+    <dsp:sp modelId="{A64621D6-C1E6-48E4-9570-FB11E734164E}">
+      <dsp:nvSpPr>
+        <dsp:cNvPr id="0" name=""/>
+        <dsp:cNvSpPr/>
+      </dsp:nvSpPr>
+      <dsp:spPr>
+        <a:xfrm>
+          <a:off x="4783064" y="3087962"/>
+          <a:ext cx="1492400" cy="1044631"/>
+        </a:xfrm>
+        <a:prstGeom prst="roundRect">
+          <a:avLst>
+            <a:gd name="adj" fmla="val 16670"/>
+          </a:avLst>
+        </a:prstGeom>
+        <a:solidFill>
+          <a:schemeClr val="accent1">
+            <a:hueOff val="0"/>
+            <a:satOff val="0"/>
+            <a:lumOff val="0"/>
+            <a:alphaOff val="0"/>
+          </a:schemeClr>
+        </a:solidFill>
+        <a:ln w="25400" cap="flat" cmpd="sng" algn="ctr">
+          <a:solidFill>
+            <a:schemeClr val="lt1">
+              <a:hueOff val="0"/>
+              <a:satOff val="0"/>
+              <a:lumOff val="0"/>
+              <a:alphaOff val="0"/>
+            </a:schemeClr>
+          </a:solidFill>
+          <a:prstDash val="solid"/>
+        </a:ln>
+        <a:effectLst/>
+      </dsp:spPr>
+      <dsp:style>
+        <a:lnRef idx="2">
+          <a:scrgbClr r="0" g="0" b="0"/>
+        </a:lnRef>
+        <a:fillRef idx="1">
+          <a:scrgbClr r="0" g="0" b="0"/>
+        </a:fillRef>
+        <a:effectRef idx="0">
+          <a:scrgbClr r="0" g="0" b="0"/>
+        </a:effectRef>
+        <a:fontRef idx="minor">
+          <a:schemeClr val="lt1"/>
+        </a:fontRef>
+      </dsp:style>
+      <dsp:txBody>
+        <a:bodyPr spcFirstLastPara="0" vert="horz" wrap="square" lIns="91440" tIns="91440" rIns="91440" bIns="91440" numCol="1" spcCol="1270" anchor="ctr" anchorCtr="0">
+          <a:noAutofit/>
+        </a:bodyPr>
+        <a:lstStyle/>
+        <a:p>
+          <a:pPr lvl="0" algn="ctr" defTabSz="1066800">
+            <a:lnSpc>
+              <a:spcPct val="90000"/>
+            </a:lnSpc>
+            <a:spcBef>
+              <a:spcPct val="0"/>
+            </a:spcBef>
+            <a:spcAft>
+              <a:spcPct val="35000"/>
+            </a:spcAft>
+          </a:pPr>
+          <a:r>
+            <a:rPr lang="en-GB" sz="2400" kern="1200" dirty="0" smtClean="0"/>
+            <a:t>Final Solution</a:t>
+          </a:r>
+          <a:endParaRPr lang="en-GB" sz="2400" kern="1200" dirty="0"/>
+        </a:p>
+      </dsp:txBody>
+      <dsp:txXfrm>
+        <a:off x="4834068" y="3138966"/>
+        <a:ext cx="1390392" cy="942623"/>
+      </dsp:txXfrm>
+    </dsp:sp>
+    <dsp:sp modelId="{3BE3B7D4-392F-432B-B794-D470CC2C8CC7}">
+      <dsp:nvSpPr>
+        <dsp:cNvPr id="0" name=""/>
+        <dsp:cNvSpPr/>
+      </dsp:nvSpPr>
+      <dsp:spPr>
+        <a:xfrm>
+          <a:off x="6171892" y="3187592"/>
+          <a:ext cx="1292573" cy="844317"/>
+        </a:xfrm>
+        <a:prstGeom prst="rect">
+          <a:avLst/>
+        </a:prstGeom>
+        <a:noFill/>
+        <a:ln>
+          <a:noFill/>
+        </a:ln>
+        <a:effectLst/>
+      </dsp:spPr>
+      <dsp:style>
+        <a:lnRef idx="0">
+          <a:scrgbClr r="0" g="0" b="0"/>
+        </a:lnRef>
+        <a:fillRef idx="0">
+          <a:scrgbClr r="0" g="0" b="0"/>
+        </a:fillRef>
+        <a:effectRef idx="0">
+          <a:scrgbClr r="0" g="0" b="0"/>
+        </a:effectRef>
+        <a:fontRef idx="minor"/>
+      </dsp:style>
+      <dsp:txBody>
+        <a:bodyPr spcFirstLastPara="0" vert="horz" wrap="square" lIns="68580" tIns="68580" rIns="68580" bIns="68580" numCol="1" spcCol="1270" anchor="ctr" anchorCtr="0">
+          <a:noAutofit/>
+        </a:bodyPr>
+        <a:lstStyle/>
+        <a:p>
+          <a:pPr marL="171450" lvl="1" indent="-171450" algn="l" defTabSz="800100">
+            <a:lnSpc>
+              <a:spcPct val="90000"/>
+            </a:lnSpc>
+            <a:spcBef>
+              <a:spcPct val="0"/>
+            </a:spcBef>
+            <a:spcAft>
+              <a:spcPct val="15000"/>
+            </a:spcAft>
+            <a:buChar char="••"/>
+          </a:pPr>
+          <a:r>
+            <a:rPr lang="en-GB" sz="1800" kern="1200" dirty="0" smtClean="0"/>
+            <a:t>The final solution</a:t>
+          </a:r>
+          <a:endParaRPr lang="en-GB" sz="1800" kern="1200" dirty="0"/>
+        </a:p>
+      </dsp:txBody>
+      <dsp:txXfrm>
+        <a:off x="6171892" y="3187592"/>
+        <a:ext cx="1292573" cy="844317"/>
+      </dsp:txXfrm>
+    </dsp:sp>
   </dsp:spTree>
 </dsp:drawing>
 </file>
@@ -4552,6 +5088,717 @@
       <dsp:cNvGrpSpPr/>
     </dsp:nvGrpSpPr>
     <dsp:grpSpPr/>
+    <dsp:sp modelId="{76FE4E92-AAF9-42F0-B6F2-E76B437DC092}">
+      <dsp:nvSpPr>
+        <dsp:cNvPr id="0" name=""/>
+        <dsp:cNvSpPr/>
+      </dsp:nvSpPr>
+      <dsp:spPr>
+        <a:xfrm>
+          <a:off x="0" y="0"/>
+          <a:ext cx="5750052" cy="877252"/>
+        </a:xfrm>
+        <a:prstGeom prst="roundRect">
+          <a:avLst>
+            <a:gd name="adj" fmla="val 10000"/>
+          </a:avLst>
+        </a:prstGeom>
+        <a:solidFill>
+          <a:schemeClr val="accent1">
+            <a:hueOff val="0"/>
+            <a:satOff val="0"/>
+            <a:lumOff val="0"/>
+            <a:alphaOff val="0"/>
+          </a:schemeClr>
+        </a:solidFill>
+        <a:ln w="25400" cap="flat" cmpd="sng" algn="ctr">
+          <a:solidFill>
+            <a:schemeClr val="lt1">
+              <a:hueOff val="0"/>
+              <a:satOff val="0"/>
+              <a:lumOff val="0"/>
+              <a:alphaOff val="0"/>
+            </a:schemeClr>
+          </a:solidFill>
+          <a:prstDash val="solid"/>
+        </a:ln>
+        <a:effectLst/>
+      </dsp:spPr>
+      <dsp:style>
+        <a:lnRef idx="2">
+          <a:scrgbClr r="0" g="0" b="0"/>
+        </a:lnRef>
+        <a:fillRef idx="1">
+          <a:scrgbClr r="0" g="0" b="0"/>
+        </a:fillRef>
+        <a:effectRef idx="0">
+          <a:scrgbClr r="0" g="0" b="0"/>
+        </a:effectRef>
+        <a:fontRef idx="minor">
+          <a:schemeClr val="lt1"/>
+        </a:fontRef>
+      </dsp:style>
+      <dsp:txBody>
+        <a:bodyPr spcFirstLastPara="0" vert="horz" wrap="square" lIns="87630" tIns="87630" rIns="87630" bIns="87630" numCol="1" spcCol="1270" anchor="ctr" anchorCtr="0">
+          <a:noAutofit/>
+        </a:bodyPr>
+        <a:lstStyle/>
+        <a:p>
+          <a:pPr lvl="0" algn="l" defTabSz="1022350">
+            <a:lnSpc>
+              <a:spcPct val="90000"/>
+            </a:lnSpc>
+            <a:spcBef>
+              <a:spcPct val="0"/>
+            </a:spcBef>
+            <a:spcAft>
+              <a:spcPct val="35000"/>
+            </a:spcAft>
+          </a:pPr>
+          <a:r>
+            <a:rPr lang="en-GB" sz="2300" kern="1200" dirty="0" smtClean="0"/>
+            <a:t>Initial population</a:t>
+          </a:r>
+          <a:endParaRPr lang="en-GB" sz="2300" kern="1200" dirty="0"/>
+        </a:p>
+      </dsp:txBody>
+      <dsp:txXfrm>
+        <a:off x="25694" y="25694"/>
+        <a:ext cx="4700789" cy="825864"/>
+      </dsp:txXfrm>
+    </dsp:sp>
+    <dsp:sp modelId="{92AF59CF-48F8-4268-A79E-CC79582F4969}">
+      <dsp:nvSpPr>
+        <dsp:cNvPr id="0" name=""/>
+        <dsp:cNvSpPr/>
+      </dsp:nvSpPr>
+      <dsp:spPr>
+        <a:xfrm>
+          <a:off x="429387" y="999093"/>
+          <a:ext cx="5750052" cy="877252"/>
+        </a:xfrm>
+        <a:prstGeom prst="roundRect">
+          <a:avLst>
+            <a:gd name="adj" fmla="val 10000"/>
+          </a:avLst>
+        </a:prstGeom>
+        <a:solidFill>
+          <a:schemeClr val="accent1">
+            <a:hueOff val="0"/>
+            <a:satOff val="0"/>
+            <a:lumOff val="0"/>
+            <a:alphaOff val="0"/>
+          </a:schemeClr>
+        </a:solidFill>
+        <a:ln w="25400" cap="flat" cmpd="sng" algn="ctr">
+          <a:solidFill>
+            <a:schemeClr val="lt1">
+              <a:hueOff val="0"/>
+              <a:satOff val="0"/>
+              <a:lumOff val="0"/>
+              <a:alphaOff val="0"/>
+            </a:schemeClr>
+          </a:solidFill>
+          <a:prstDash val="solid"/>
+        </a:ln>
+        <a:effectLst/>
+      </dsp:spPr>
+      <dsp:style>
+        <a:lnRef idx="2">
+          <a:scrgbClr r="0" g="0" b="0"/>
+        </a:lnRef>
+        <a:fillRef idx="1">
+          <a:scrgbClr r="0" g="0" b="0"/>
+        </a:fillRef>
+        <a:effectRef idx="0">
+          <a:scrgbClr r="0" g="0" b="0"/>
+        </a:effectRef>
+        <a:fontRef idx="minor">
+          <a:schemeClr val="lt1"/>
+        </a:fontRef>
+      </dsp:style>
+      <dsp:txBody>
+        <a:bodyPr spcFirstLastPara="0" vert="horz" wrap="square" lIns="87630" tIns="87630" rIns="87630" bIns="87630" numCol="1" spcCol="1270" anchor="ctr" anchorCtr="0">
+          <a:noAutofit/>
+        </a:bodyPr>
+        <a:lstStyle/>
+        <a:p>
+          <a:pPr lvl="0" algn="l" defTabSz="1022350">
+            <a:lnSpc>
+              <a:spcPct val="90000"/>
+            </a:lnSpc>
+            <a:spcBef>
+              <a:spcPct val="0"/>
+            </a:spcBef>
+            <a:spcAft>
+              <a:spcPct val="35000"/>
+            </a:spcAft>
+          </a:pPr>
+          <a:r>
+            <a:rPr lang="en-GB" sz="2300" kern="1200" dirty="0" smtClean="0"/>
+            <a:t>Genetic Algorithm</a:t>
+          </a:r>
+          <a:endParaRPr lang="en-GB" sz="2300" kern="1200" dirty="0"/>
+        </a:p>
+      </dsp:txBody>
+      <dsp:txXfrm>
+        <a:off x="455081" y="1024787"/>
+        <a:ext cx="4699062" cy="825864"/>
+      </dsp:txXfrm>
+    </dsp:sp>
+    <dsp:sp modelId="{FF7D625B-094E-47B2-AC42-C63EB26F8A41}">
+      <dsp:nvSpPr>
+        <dsp:cNvPr id="0" name=""/>
+        <dsp:cNvSpPr/>
+      </dsp:nvSpPr>
+      <dsp:spPr>
+        <a:xfrm>
+          <a:off x="858774" y="1998186"/>
+          <a:ext cx="5750052" cy="877252"/>
+        </a:xfrm>
+        <a:prstGeom prst="roundRect">
+          <a:avLst>
+            <a:gd name="adj" fmla="val 10000"/>
+          </a:avLst>
+        </a:prstGeom>
+        <a:solidFill>
+          <a:schemeClr val="accent1">
+            <a:hueOff val="0"/>
+            <a:satOff val="0"/>
+            <a:lumOff val="0"/>
+            <a:alphaOff val="0"/>
+          </a:schemeClr>
+        </a:solidFill>
+        <a:ln w="25400" cap="flat" cmpd="sng" algn="ctr">
+          <a:solidFill>
+            <a:schemeClr val="lt1">
+              <a:hueOff val="0"/>
+              <a:satOff val="0"/>
+              <a:lumOff val="0"/>
+              <a:alphaOff val="0"/>
+            </a:schemeClr>
+          </a:solidFill>
+          <a:prstDash val="solid"/>
+        </a:ln>
+        <a:effectLst/>
+      </dsp:spPr>
+      <dsp:style>
+        <a:lnRef idx="2">
+          <a:scrgbClr r="0" g="0" b="0"/>
+        </a:lnRef>
+        <a:fillRef idx="1">
+          <a:scrgbClr r="0" g="0" b="0"/>
+        </a:fillRef>
+        <a:effectRef idx="0">
+          <a:scrgbClr r="0" g="0" b="0"/>
+        </a:effectRef>
+        <a:fontRef idx="minor">
+          <a:schemeClr val="lt1"/>
+        </a:fontRef>
+      </dsp:style>
+      <dsp:txBody>
+        <a:bodyPr spcFirstLastPara="0" vert="horz" wrap="square" lIns="87630" tIns="87630" rIns="87630" bIns="87630" numCol="1" spcCol="1270" anchor="ctr" anchorCtr="0">
+          <a:noAutofit/>
+        </a:bodyPr>
+        <a:lstStyle/>
+        <a:p>
+          <a:pPr lvl="0" algn="l" defTabSz="1022350">
+            <a:lnSpc>
+              <a:spcPct val="90000"/>
+            </a:lnSpc>
+            <a:spcBef>
+              <a:spcPct val="0"/>
+            </a:spcBef>
+            <a:spcAft>
+              <a:spcPct val="35000"/>
+            </a:spcAft>
+          </a:pPr>
+          <a:r>
+            <a:rPr lang="en-GB" sz="2300" kern="1200" dirty="0" smtClean="0"/>
+            <a:t>Genetic Algorithm’s best solution</a:t>
+          </a:r>
+          <a:endParaRPr lang="en-GB" sz="2300" kern="1200" dirty="0"/>
+        </a:p>
+      </dsp:txBody>
+      <dsp:txXfrm>
+        <a:off x="884468" y="2023880"/>
+        <a:ext cx="4699062" cy="825864"/>
+      </dsp:txXfrm>
+    </dsp:sp>
+    <dsp:sp modelId="{4FAB4D36-5479-4F26-B89E-4280791CA0D6}">
+      <dsp:nvSpPr>
+        <dsp:cNvPr id="0" name=""/>
+        <dsp:cNvSpPr/>
+      </dsp:nvSpPr>
+      <dsp:spPr>
+        <a:xfrm>
+          <a:off x="1288161" y="2997279"/>
+          <a:ext cx="5750052" cy="877252"/>
+        </a:xfrm>
+        <a:prstGeom prst="roundRect">
+          <a:avLst>
+            <a:gd name="adj" fmla="val 10000"/>
+          </a:avLst>
+        </a:prstGeom>
+        <a:solidFill>
+          <a:schemeClr val="accent1">
+            <a:hueOff val="0"/>
+            <a:satOff val="0"/>
+            <a:lumOff val="0"/>
+            <a:alphaOff val="0"/>
+          </a:schemeClr>
+        </a:solidFill>
+        <a:ln w="25400" cap="flat" cmpd="sng" algn="ctr">
+          <a:solidFill>
+            <a:schemeClr val="lt1">
+              <a:hueOff val="0"/>
+              <a:satOff val="0"/>
+              <a:lumOff val="0"/>
+              <a:alphaOff val="0"/>
+            </a:schemeClr>
+          </a:solidFill>
+          <a:prstDash val="solid"/>
+        </a:ln>
+        <a:effectLst/>
+      </dsp:spPr>
+      <dsp:style>
+        <a:lnRef idx="2">
+          <a:scrgbClr r="0" g="0" b="0"/>
+        </a:lnRef>
+        <a:fillRef idx="1">
+          <a:scrgbClr r="0" g="0" b="0"/>
+        </a:fillRef>
+        <a:effectRef idx="0">
+          <a:scrgbClr r="0" g="0" b="0"/>
+        </a:effectRef>
+        <a:fontRef idx="minor">
+          <a:schemeClr val="lt1"/>
+        </a:fontRef>
+      </dsp:style>
+      <dsp:txBody>
+        <a:bodyPr spcFirstLastPara="0" vert="horz" wrap="square" lIns="87630" tIns="87630" rIns="87630" bIns="87630" numCol="1" spcCol="1270" anchor="ctr" anchorCtr="0">
+          <a:noAutofit/>
+        </a:bodyPr>
+        <a:lstStyle/>
+        <a:p>
+          <a:pPr lvl="0" algn="l" defTabSz="1022350">
+            <a:lnSpc>
+              <a:spcPct val="90000"/>
+            </a:lnSpc>
+            <a:spcBef>
+              <a:spcPct val="0"/>
+            </a:spcBef>
+            <a:spcAft>
+              <a:spcPct val="35000"/>
+            </a:spcAft>
+          </a:pPr>
+          <a:r>
+            <a:rPr lang="en-GB" sz="2300" kern="1200" dirty="0" err="1" smtClean="0"/>
+            <a:t>Tabu</a:t>
+          </a:r>
+          <a:r>
+            <a:rPr lang="en-GB" sz="2300" kern="1200" dirty="0" smtClean="0"/>
+            <a:t> Search Algorithm</a:t>
+          </a:r>
+          <a:endParaRPr lang="en-GB" sz="2300" kern="1200" dirty="0"/>
+        </a:p>
+      </dsp:txBody>
+      <dsp:txXfrm>
+        <a:off x="1313855" y="3022973"/>
+        <a:ext cx="4699062" cy="825864"/>
+      </dsp:txXfrm>
+    </dsp:sp>
+    <dsp:sp modelId="{E2DDE62C-6449-4F97-BFE3-AD8BBC91A48E}">
+      <dsp:nvSpPr>
+        <dsp:cNvPr id="0" name=""/>
+        <dsp:cNvSpPr/>
+      </dsp:nvSpPr>
+      <dsp:spPr>
+        <a:xfrm>
+          <a:off x="1717548" y="3996372"/>
+          <a:ext cx="5750052" cy="877252"/>
+        </a:xfrm>
+        <a:prstGeom prst="roundRect">
+          <a:avLst>
+            <a:gd name="adj" fmla="val 10000"/>
+          </a:avLst>
+        </a:prstGeom>
+        <a:solidFill>
+          <a:schemeClr val="accent1">
+            <a:hueOff val="0"/>
+            <a:satOff val="0"/>
+            <a:lumOff val="0"/>
+            <a:alphaOff val="0"/>
+          </a:schemeClr>
+        </a:solidFill>
+        <a:ln w="25400" cap="flat" cmpd="sng" algn="ctr">
+          <a:solidFill>
+            <a:schemeClr val="lt1">
+              <a:hueOff val="0"/>
+              <a:satOff val="0"/>
+              <a:lumOff val="0"/>
+              <a:alphaOff val="0"/>
+            </a:schemeClr>
+          </a:solidFill>
+          <a:prstDash val="solid"/>
+        </a:ln>
+        <a:effectLst/>
+      </dsp:spPr>
+      <dsp:style>
+        <a:lnRef idx="2">
+          <a:scrgbClr r="0" g="0" b="0"/>
+        </a:lnRef>
+        <a:fillRef idx="1">
+          <a:scrgbClr r="0" g="0" b="0"/>
+        </a:fillRef>
+        <a:effectRef idx="0">
+          <a:scrgbClr r="0" g="0" b="0"/>
+        </a:effectRef>
+        <a:fontRef idx="minor">
+          <a:schemeClr val="lt1"/>
+        </a:fontRef>
+      </dsp:style>
+      <dsp:txBody>
+        <a:bodyPr spcFirstLastPara="0" vert="horz" wrap="square" lIns="87630" tIns="87630" rIns="87630" bIns="87630" numCol="1" spcCol="1270" anchor="ctr" anchorCtr="0">
+          <a:noAutofit/>
+        </a:bodyPr>
+        <a:lstStyle/>
+        <a:p>
+          <a:pPr lvl="0" algn="l" defTabSz="1022350">
+            <a:lnSpc>
+              <a:spcPct val="90000"/>
+            </a:lnSpc>
+            <a:spcBef>
+              <a:spcPct val="0"/>
+            </a:spcBef>
+            <a:spcAft>
+              <a:spcPct val="35000"/>
+            </a:spcAft>
+          </a:pPr>
+          <a:r>
+            <a:rPr lang="en-GB" sz="2300" kern="1200" dirty="0" smtClean="0"/>
+            <a:t>Final solution</a:t>
+          </a:r>
+          <a:endParaRPr lang="en-GB" sz="2300" kern="1200" dirty="0"/>
+        </a:p>
+      </dsp:txBody>
+      <dsp:txXfrm>
+        <a:off x="1743242" y="4022066"/>
+        <a:ext cx="4699062" cy="825864"/>
+      </dsp:txXfrm>
+    </dsp:sp>
+    <dsp:sp modelId="{EA8B9983-0FD4-43FD-8218-7F6BE9F193B4}">
+      <dsp:nvSpPr>
+        <dsp:cNvPr id="0" name=""/>
+        <dsp:cNvSpPr/>
+      </dsp:nvSpPr>
+      <dsp:spPr>
+        <a:xfrm>
+          <a:off x="5179837" y="640881"/>
+          <a:ext cx="570214" cy="570214"/>
+        </a:xfrm>
+        <a:prstGeom prst="downArrow">
+          <a:avLst>
+            <a:gd name="adj1" fmla="val 55000"/>
+            <a:gd name="adj2" fmla="val 45000"/>
+          </a:avLst>
+        </a:prstGeom>
+        <a:solidFill>
+          <a:schemeClr val="accent1">
+            <a:alpha val="90000"/>
+            <a:tint val="40000"/>
+            <a:hueOff val="0"/>
+            <a:satOff val="0"/>
+            <a:lumOff val="0"/>
+            <a:alphaOff val="0"/>
+          </a:schemeClr>
+        </a:solidFill>
+        <a:ln w="25400" cap="flat" cmpd="sng" algn="ctr">
+          <a:solidFill>
+            <a:schemeClr val="accent1">
+              <a:alpha val="90000"/>
+              <a:tint val="40000"/>
+              <a:hueOff val="0"/>
+              <a:satOff val="0"/>
+              <a:lumOff val="0"/>
+              <a:alphaOff val="0"/>
+            </a:schemeClr>
+          </a:solidFill>
+          <a:prstDash val="solid"/>
+        </a:ln>
+        <a:effectLst/>
+      </dsp:spPr>
+      <dsp:style>
+        <a:lnRef idx="2">
+          <a:scrgbClr r="0" g="0" b="0"/>
+        </a:lnRef>
+        <a:fillRef idx="1">
+          <a:scrgbClr r="0" g="0" b="0"/>
+        </a:fillRef>
+        <a:effectRef idx="0">
+          <a:scrgbClr r="0" g="0" b="0"/>
+        </a:effectRef>
+        <a:fontRef idx="minor"/>
+      </dsp:style>
+      <dsp:txBody>
+        <a:bodyPr spcFirstLastPara="0" vert="horz" wrap="square" lIns="33020" tIns="33020" rIns="33020" bIns="33020" numCol="1" spcCol="1270" anchor="ctr" anchorCtr="0">
+          <a:noAutofit/>
+        </a:bodyPr>
+        <a:lstStyle/>
+        <a:p>
+          <a:pPr lvl="0" algn="ctr" defTabSz="1155700">
+            <a:lnSpc>
+              <a:spcPct val="90000"/>
+            </a:lnSpc>
+            <a:spcBef>
+              <a:spcPct val="0"/>
+            </a:spcBef>
+            <a:spcAft>
+              <a:spcPct val="35000"/>
+            </a:spcAft>
+          </a:pPr>
+          <a:endParaRPr lang="en-GB" sz="2600" kern="1200"/>
+        </a:p>
+      </dsp:txBody>
+      <dsp:txXfrm>
+        <a:off x="5308135" y="640881"/>
+        <a:ext cx="313618" cy="429086"/>
+      </dsp:txXfrm>
+    </dsp:sp>
+    <dsp:sp modelId="{FCD10D03-9EAF-4D23-82BF-B80666E9DC6B}">
+      <dsp:nvSpPr>
+        <dsp:cNvPr id="0" name=""/>
+        <dsp:cNvSpPr/>
+      </dsp:nvSpPr>
+      <dsp:spPr>
+        <a:xfrm>
+          <a:off x="5609224" y="1639974"/>
+          <a:ext cx="570214" cy="570214"/>
+        </a:xfrm>
+        <a:prstGeom prst="downArrow">
+          <a:avLst>
+            <a:gd name="adj1" fmla="val 55000"/>
+            <a:gd name="adj2" fmla="val 45000"/>
+          </a:avLst>
+        </a:prstGeom>
+        <a:solidFill>
+          <a:schemeClr val="accent1">
+            <a:alpha val="90000"/>
+            <a:tint val="40000"/>
+            <a:hueOff val="0"/>
+            <a:satOff val="0"/>
+            <a:lumOff val="0"/>
+            <a:alphaOff val="0"/>
+          </a:schemeClr>
+        </a:solidFill>
+        <a:ln w="25400" cap="flat" cmpd="sng" algn="ctr">
+          <a:solidFill>
+            <a:schemeClr val="accent1">
+              <a:alpha val="90000"/>
+              <a:tint val="40000"/>
+              <a:hueOff val="0"/>
+              <a:satOff val="0"/>
+              <a:lumOff val="0"/>
+              <a:alphaOff val="0"/>
+            </a:schemeClr>
+          </a:solidFill>
+          <a:prstDash val="solid"/>
+        </a:ln>
+        <a:effectLst/>
+      </dsp:spPr>
+      <dsp:style>
+        <a:lnRef idx="2">
+          <a:scrgbClr r="0" g="0" b="0"/>
+        </a:lnRef>
+        <a:fillRef idx="1">
+          <a:scrgbClr r="0" g="0" b="0"/>
+        </a:fillRef>
+        <a:effectRef idx="0">
+          <a:scrgbClr r="0" g="0" b="0"/>
+        </a:effectRef>
+        <a:fontRef idx="minor"/>
+      </dsp:style>
+      <dsp:txBody>
+        <a:bodyPr spcFirstLastPara="0" vert="horz" wrap="square" lIns="33020" tIns="33020" rIns="33020" bIns="33020" numCol="1" spcCol="1270" anchor="ctr" anchorCtr="0">
+          <a:noAutofit/>
+        </a:bodyPr>
+        <a:lstStyle/>
+        <a:p>
+          <a:pPr lvl="0" algn="ctr" defTabSz="1155700">
+            <a:lnSpc>
+              <a:spcPct val="90000"/>
+            </a:lnSpc>
+            <a:spcBef>
+              <a:spcPct val="0"/>
+            </a:spcBef>
+            <a:spcAft>
+              <a:spcPct val="35000"/>
+            </a:spcAft>
+          </a:pPr>
+          <a:endParaRPr lang="en-GB" sz="2600" kern="1200"/>
+        </a:p>
+      </dsp:txBody>
+      <dsp:txXfrm>
+        <a:off x="5737522" y="1639974"/>
+        <a:ext cx="313618" cy="429086"/>
+      </dsp:txXfrm>
+    </dsp:sp>
+    <dsp:sp modelId="{2FB51C4A-999E-4D33-B563-183F6B3E6840}">
+      <dsp:nvSpPr>
+        <dsp:cNvPr id="0" name=""/>
+        <dsp:cNvSpPr/>
+      </dsp:nvSpPr>
+      <dsp:spPr>
+        <a:xfrm>
+          <a:off x="6038611" y="2624447"/>
+          <a:ext cx="570214" cy="570214"/>
+        </a:xfrm>
+        <a:prstGeom prst="downArrow">
+          <a:avLst>
+            <a:gd name="adj1" fmla="val 55000"/>
+            <a:gd name="adj2" fmla="val 45000"/>
+          </a:avLst>
+        </a:prstGeom>
+        <a:solidFill>
+          <a:schemeClr val="accent1">
+            <a:alpha val="90000"/>
+            <a:tint val="40000"/>
+            <a:hueOff val="0"/>
+            <a:satOff val="0"/>
+            <a:lumOff val="0"/>
+            <a:alphaOff val="0"/>
+          </a:schemeClr>
+        </a:solidFill>
+        <a:ln w="25400" cap="flat" cmpd="sng" algn="ctr">
+          <a:solidFill>
+            <a:schemeClr val="accent1">
+              <a:alpha val="90000"/>
+              <a:tint val="40000"/>
+              <a:hueOff val="0"/>
+              <a:satOff val="0"/>
+              <a:lumOff val="0"/>
+              <a:alphaOff val="0"/>
+            </a:schemeClr>
+          </a:solidFill>
+          <a:prstDash val="solid"/>
+        </a:ln>
+        <a:effectLst/>
+      </dsp:spPr>
+      <dsp:style>
+        <a:lnRef idx="2">
+          <a:scrgbClr r="0" g="0" b="0"/>
+        </a:lnRef>
+        <a:fillRef idx="1">
+          <a:scrgbClr r="0" g="0" b="0"/>
+        </a:fillRef>
+        <a:effectRef idx="0">
+          <a:scrgbClr r="0" g="0" b="0"/>
+        </a:effectRef>
+        <a:fontRef idx="minor"/>
+      </dsp:style>
+      <dsp:txBody>
+        <a:bodyPr spcFirstLastPara="0" vert="horz" wrap="square" lIns="33020" tIns="33020" rIns="33020" bIns="33020" numCol="1" spcCol="1270" anchor="ctr" anchorCtr="0">
+          <a:noAutofit/>
+        </a:bodyPr>
+        <a:lstStyle/>
+        <a:p>
+          <a:pPr lvl="0" algn="ctr" defTabSz="1155700">
+            <a:lnSpc>
+              <a:spcPct val="90000"/>
+            </a:lnSpc>
+            <a:spcBef>
+              <a:spcPct val="0"/>
+            </a:spcBef>
+            <a:spcAft>
+              <a:spcPct val="35000"/>
+            </a:spcAft>
+          </a:pPr>
+          <a:endParaRPr lang="en-GB" sz="2600" kern="1200"/>
+        </a:p>
+      </dsp:txBody>
+      <dsp:txXfrm>
+        <a:off x="6166909" y="2624447"/>
+        <a:ext cx="313618" cy="429086"/>
+      </dsp:txXfrm>
+    </dsp:sp>
+    <dsp:sp modelId="{EE172B0B-ACBD-41B7-86E2-6B7178EB9238}">
+      <dsp:nvSpPr>
+        <dsp:cNvPr id="0" name=""/>
+        <dsp:cNvSpPr/>
+      </dsp:nvSpPr>
+      <dsp:spPr>
+        <a:xfrm>
+          <a:off x="6467998" y="3633287"/>
+          <a:ext cx="570214" cy="570214"/>
+        </a:xfrm>
+        <a:prstGeom prst="downArrow">
+          <a:avLst>
+            <a:gd name="adj1" fmla="val 55000"/>
+            <a:gd name="adj2" fmla="val 45000"/>
+          </a:avLst>
+        </a:prstGeom>
+        <a:solidFill>
+          <a:schemeClr val="accent1">
+            <a:alpha val="90000"/>
+            <a:tint val="40000"/>
+            <a:hueOff val="0"/>
+            <a:satOff val="0"/>
+            <a:lumOff val="0"/>
+            <a:alphaOff val="0"/>
+          </a:schemeClr>
+        </a:solidFill>
+        <a:ln w="25400" cap="flat" cmpd="sng" algn="ctr">
+          <a:solidFill>
+            <a:schemeClr val="accent1">
+              <a:alpha val="90000"/>
+              <a:tint val="40000"/>
+              <a:hueOff val="0"/>
+              <a:satOff val="0"/>
+              <a:lumOff val="0"/>
+              <a:alphaOff val="0"/>
+            </a:schemeClr>
+          </a:solidFill>
+          <a:prstDash val="solid"/>
+        </a:ln>
+        <a:effectLst/>
+      </dsp:spPr>
+      <dsp:style>
+        <a:lnRef idx="2">
+          <a:scrgbClr r="0" g="0" b="0"/>
+        </a:lnRef>
+        <a:fillRef idx="1">
+          <a:scrgbClr r="0" g="0" b="0"/>
+        </a:fillRef>
+        <a:effectRef idx="0">
+          <a:scrgbClr r="0" g="0" b="0"/>
+        </a:effectRef>
+        <a:fontRef idx="minor"/>
+      </dsp:style>
+      <dsp:txBody>
+        <a:bodyPr spcFirstLastPara="0" vert="horz" wrap="square" lIns="33020" tIns="33020" rIns="33020" bIns="33020" numCol="1" spcCol="1270" anchor="ctr" anchorCtr="0">
+          <a:noAutofit/>
+        </a:bodyPr>
+        <a:lstStyle/>
+        <a:p>
+          <a:pPr lvl="0" algn="ctr" defTabSz="1155700">
+            <a:lnSpc>
+              <a:spcPct val="90000"/>
+            </a:lnSpc>
+            <a:spcBef>
+              <a:spcPct val="0"/>
+            </a:spcBef>
+            <a:spcAft>
+              <a:spcPct val="35000"/>
+            </a:spcAft>
+          </a:pPr>
+          <a:endParaRPr lang="en-GB" sz="2600" kern="1200"/>
+        </a:p>
+      </dsp:txBody>
+      <dsp:txXfrm>
+        <a:off x="6596296" y="3633287"/>
+        <a:ext cx="313618" cy="429086"/>
+      </dsp:txXfrm>
+    </dsp:sp>
   </dsp:spTree>
 </dsp:drawing>
 </file>
@@ -4564,6 +5811,331 @@
       <dsp:cNvGrpSpPr/>
     </dsp:nvGrpSpPr>
     <dsp:grpSpPr/>
+    <dsp:sp modelId="{6476CE28-AAEB-48DE-AB3E-784000AD5658}">
+      <dsp:nvSpPr>
+        <dsp:cNvPr id="0" name=""/>
+        <dsp:cNvSpPr/>
+      </dsp:nvSpPr>
+      <dsp:spPr>
+        <a:xfrm>
+          <a:off x="2555319" y="2029394"/>
+          <a:ext cx="2356961" cy="2356961"/>
+        </a:xfrm>
+        <a:prstGeom prst="ellipse">
+          <a:avLst/>
+        </a:prstGeom>
+        <a:solidFill>
+          <a:schemeClr val="accent1">
+            <a:hueOff val="0"/>
+            <a:satOff val="0"/>
+            <a:lumOff val="0"/>
+            <a:alphaOff val="0"/>
+          </a:schemeClr>
+        </a:solidFill>
+        <a:ln w="25400" cap="flat" cmpd="sng" algn="ctr">
+          <a:solidFill>
+            <a:schemeClr val="lt1">
+              <a:hueOff val="0"/>
+              <a:satOff val="0"/>
+              <a:lumOff val="0"/>
+              <a:alphaOff val="0"/>
+            </a:schemeClr>
+          </a:solidFill>
+          <a:prstDash val="solid"/>
+        </a:ln>
+        <a:effectLst/>
+      </dsp:spPr>
+      <dsp:style>
+        <a:lnRef idx="2">
+          <a:scrgbClr r="0" g="0" b="0"/>
+        </a:lnRef>
+        <a:fillRef idx="1">
+          <a:scrgbClr r="0" g="0" b="0"/>
+        </a:fillRef>
+        <a:effectRef idx="0">
+          <a:scrgbClr r="0" g="0" b="0"/>
+        </a:effectRef>
+        <a:fontRef idx="minor">
+          <a:schemeClr val="lt1"/>
+        </a:fontRef>
+      </dsp:style>
+      <dsp:txBody>
+        <a:bodyPr spcFirstLastPara="0" vert="horz" wrap="square" lIns="16510" tIns="16510" rIns="16510" bIns="16510" numCol="1" spcCol="1270" anchor="ctr" anchorCtr="0">
+          <a:noAutofit/>
+        </a:bodyPr>
+        <a:lstStyle/>
+        <a:p>
+          <a:pPr lvl="0" algn="ctr" defTabSz="1155700">
+            <a:lnSpc>
+              <a:spcPct val="90000"/>
+            </a:lnSpc>
+            <a:spcBef>
+              <a:spcPct val="0"/>
+            </a:spcBef>
+            <a:spcAft>
+              <a:spcPct val="35000"/>
+            </a:spcAft>
+          </a:pPr>
+          <a:r>
+            <a:rPr lang="en-GB" sz="2600" kern="1200" dirty="0" smtClean="0"/>
+            <a:t>Initial population</a:t>
+          </a:r>
+          <a:endParaRPr lang="en-GB" sz="2600" kern="1200" dirty="0"/>
+        </a:p>
+      </dsp:txBody>
+      <dsp:txXfrm>
+        <a:off x="2900488" y="2374563"/>
+        <a:ext cx="1666623" cy="1666623"/>
+      </dsp:txXfrm>
+    </dsp:sp>
+    <dsp:sp modelId="{10790A9C-DD2B-4811-8399-BAB5E60C8FA3}">
+      <dsp:nvSpPr>
+        <dsp:cNvPr id="0" name=""/>
+        <dsp:cNvSpPr/>
+      </dsp:nvSpPr>
+      <dsp:spPr>
+        <a:xfrm rot="12900000">
+          <a:off x="956307" y="1589955"/>
+          <a:ext cx="1893063" cy="671733"/>
+        </a:xfrm>
+        <a:prstGeom prst="leftArrow">
+          <a:avLst>
+            <a:gd name="adj1" fmla="val 60000"/>
+            <a:gd name="adj2" fmla="val 50000"/>
+          </a:avLst>
+        </a:prstGeom>
+        <a:solidFill>
+          <a:schemeClr val="accent1">
+            <a:tint val="60000"/>
+            <a:hueOff val="0"/>
+            <a:satOff val="0"/>
+            <a:lumOff val="0"/>
+            <a:alphaOff val="0"/>
+          </a:schemeClr>
+        </a:solidFill>
+        <a:ln>
+          <a:noFill/>
+        </a:ln>
+        <a:effectLst/>
+      </dsp:spPr>
+      <dsp:style>
+        <a:lnRef idx="0">
+          <a:scrgbClr r="0" g="0" b="0"/>
+        </a:lnRef>
+        <a:fillRef idx="1">
+          <a:scrgbClr r="0" g="0" b="0"/>
+        </a:fillRef>
+        <a:effectRef idx="0">
+          <a:scrgbClr r="0" g="0" b="0"/>
+        </a:effectRef>
+        <a:fontRef idx="minor">
+          <a:schemeClr val="lt1"/>
+        </a:fontRef>
+      </dsp:style>
+    </dsp:sp>
+    <dsp:sp modelId="{73F43B36-BD68-4D64-AF5B-0869EC1DB115}">
+      <dsp:nvSpPr>
+        <dsp:cNvPr id="0" name=""/>
+        <dsp:cNvSpPr/>
+      </dsp:nvSpPr>
+      <dsp:spPr>
+        <a:xfrm>
+          <a:off x="7929" y="487269"/>
+          <a:ext cx="2239113" cy="1791290"/>
+        </a:xfrm>
+        <a:prstGeom prst="roundRect">
+          <a:avLst>
+            <a:gd name="adj" fmla="val 10000"/>
+          </a:avLst>
+        </a:prstGeom>
+        <a:solidFill>
+          <a:schemeClr val="accent1">
+            <a:hueOff val="0"/>
+            <a:satOff val="0"/>
+            <a:lumOff val="0"/>
+            <a:alphaOff val="0"/>
+          </a:schemeClr>
+        </a:solidFill>
+        <a:ln w="25400" cap="flat" cmpd="sng" algn="ctr">
+          <a:solidFill>
+            <a:schemeClr val="lt1">
+              <a:hueOff val="0"/>
+              <a:satOff val="0"/>
+              <a:lumOff val="0"/>
+              <a:alphaOff val="0"/>
+            </a:schemeClr>
+          </a:solidFill>
+          <a:prstDash val="solid"/>
+        </a:ln>
+        <a:effectLst/>
+      </dsp:spPr>
+      <dsp:style>
+        <a:lnRef idx="2">
+          <a:scrgbClr r="0" g="0" b="0"/>
+        </a:lnRef>
+        <a:fillRef idx="1">
+          <a:scrgbClr r="0" g="0" b="0"/>
+        </a:fillRef>
+        <a:effectRef idx="0">
+          <a:scrgbClr r="0" g="0" b="0"/>
+        </a:effectRef>
+        <a:fontRef idx="minor">
+          <a:schemeClr val="lt1"/>
+        </a:fontRef>
+      </dsp:style>
+      <dsp:txBody>
+        <a:bodyPr spcFirstLastPara="0" vert="horz" wrap="square" lIns="53340" tIns="53340" rIns="53340" bIns="53340" numCol="1" spcCol="1270" anchor="ctr" anchorCtr="0">
+          <a:noAutofit/>
+        </a:bodyPr>
+        <a:lstStyle/>
+        <a:p>
+          <a:pPr lvl="0" algn="ctr" defTabSz="1244600">
+            <a:lnSpc>
+              <a:spcPct val="90000"/>
+            </a:lnSpc>
+            <a:spcBef>
+              <a:spcPct val="0"/>
+            </a:spcBef>
+            <a:spcAft>
+              <a:spcPct val="35000"/>
+            </a:spcAft>
+          </a:pPr>
+          <a:r>
+            <a:rPr lang="en-GB" sz="2800" kern="1200" dirty="0" smtClean="0"/>
+            <a:t>Pseudo-random algorithm</a:t>
+          </a:r>
+          <a:endParaRPr lang="en-GB" sz="2800" kern="1200" dirty="0"/>
+        </a:p>
+      </dsp:txBody>
+      <dsp:txXfrm>
+        <a:off x="60394" y="539734"/>
+        <a:ext cx="2134183" cy="1686360"/>
+      </dsp:txXfrm>
+    </dsp:sp>
+    <dsp:sp modelId="{6770975F-9AF8-4B26-8747-D804A8F6802D}">
+      <dsp:nvSpPr>
+        <dsp:cNvPr id="0" name=""/>
+        <dsp:cNvSpPr/>
+      </dsp:nvSpPr>
+      <dsp:spPr>
+        <a:xfrm rot="19500000">
+          <a:off x="4618229" y="1589955"/>
+          <a:ext cx="1893063" cy="671733"/>
+        </a:xfrm>
+        <a:prstGeom prst="leftArrow">
+          <a:avLst>
+            <a:gd name="adj1" fmla="val 60000"/>
+            <a:gd name="adj2" fmla="val 50000"/>
+          </a:avLst>
+        </a:prstGeom>
+        <a:solidFill>
+          <a:schemeClr val="accent1">
+            <a:tint val="60000"/>
+            <a:hueOff val="0"/>
+            <a:satOff val="0"/>
+            <a:lumOff val="0"/>
+            <a:alphaOff val="0"/>
+          </a:schemeClr>
+        </a:solidFill>
+        <a:ln>
+          <a:noFill/>
+        </a:ln>
+        <a:effectLst/>
+      </dsp:spPr>
+      <dsp:style>
+        <a:lnRef idx="0">
+          <a:scrgbClr r="0" g="0" b="0"/>
+        </a:lnRef>
+        <a:fillRef idx="1">
+          <a:scrgbClr r="0" g="0" b="0"/>
+        </a:fillRef>
+        <a:effectRef idx="0">
+          <a:scrgbClr r="0" g="0" b="0"/>
+        </a:effectRef>
+        <a:fontRef idx="minor">
+          <a:schemeClr val="lt1"/>
+        </a:fontRef>
+      </dsp:style>
+    </dsp:sp>
+    <dsp:sp modelId="{B44141C3-751E-44D5-BF17-36BCDD6EF2CD}">
+      <dsp:nvSpPr>
+        <dsp:cNvPr id="0" name=""/>
+        <dsp:cNvSpPr/>
+      </dsp:nvSpPr>
+      <dsp:spPr>
+        <a:xfrm>
+          <a:off x="5220557" y="487269"/>
+          <a:ext cx="2239113" cy="1791290"/>
+        </a:xfrm>
+        <a:prstGeom prst="roundRect">
+          <a:avLst>
+            <a:gd name="adj" fmla="val 10000"/>
+          </a:avLst>
+        </a:prstGeom>
+        <a:solidFill>
+          <a:schemeClr val="accent1">
+            <a:hueOff val="0"/>
+            <a:satOff val="0"/>
+            <a:lumOff val="0"/>
+            <a:alphaOff val="0"/>
+          </a:schemeClr>
+        </a:solidFill>
+        <a:ln w="25400" cap="flat" cmpd="sng" algn="ctr">
+          <a:solidFill>
+            <a:schemeClr val="lt1">
+              <a:hueOff val="0"/>
+              <a:satOff val="0"/>
+              <a:lumOff val="0"/>
+              <a:alphaOff val="0"/>
+            </a:schemeClr>
+          </a:solidFill>
+          <a:prstDash val="solid"/>
+        </a:ln>
+        <a:effectLst/>
+      </dsp:spPr>
+      <dsp:style>
+        <a:lnRef idx="2">
+          <a:scrgbClr r="0" g="0" b="0"/>
+        </a:lnRef>
+        <a:fillRef idx="1">
+          <a:scrgbClr r="0" g="0" b="0"/>
+        </a:fillRef>
+        <a:effectRef idx="0">
+          <a:scrgbClr r="0" g="0" b="0"/>
+        </a:effectRef>
+        <a:fontRef idx="minor">
+          <a:schemeClr val="lt1"/>
+        </a:fontRef>
+      </dsp:style>
+      <dsp:txBody>
+        <a:bodyPr spcFirstLastPara="0" vert="horz" wrap="square" lIns="53340" tIns="53340" rIns="53340" bIns="53340" numCol="1" spcCol="1270" anchor="ctr" anchorCtr="0">
+          <a:noAutofit/>
+        </a:bodyPr>
+        <a:lstStyle/>
+        <a:p>
+          <a:pPr lvl="0" algn="ctr" defTabSz="1244600">
+            <a:lnSpc>
+              <a:spcPct val="90000"/>
+            </a:lnSpc>
+            <a:spcBef>
+              <a:spcPct val="0"/>
+            </a:spcBef>
+            <a:spcAft>
+              <a:spcPct val="35000"/>
+            </a:spcAft>
+          </a:pPr>
+          <a:r>
+            <a:rPr lang="en-GB" sz="2800" kern="1200" dirty="0" smtClean="0"/>
+            <a:t>Greedy algorithm (Nearest Neighbour)</a:t>
+          </a:r>
+          <a:endParaRPr lang="en-GB" sz="2800" kern="1200" dirty="0"/>
+        </a:p>
+      </dsp:txBody>
+      <dsp:txXfrm>
+        <a:off x="5273022" y="539734"/>
+        <a:ext cx="2134183" cy="1686360"/>
+      </dsp:txXfrm>
+    </dsp:sp>
   </dsp:spTree>
 </dsp:drawing>
 </file>
@@ -10748,7 +12320,7 @@
           <a:p>
             <a:fld id="{7A4AB1D7-7557-456E-B6EB-B238F6DD423E}" type="datetimeFigureOut">
               <a:rPr lang="en-GB" smtClean="0"/>
-              <a:t>01/01/2015</a:t>
+              <a:t>06/01/2015</a:t>
             </a:fld>
             <a:endParaRPr lang="en-GB"/>
           </a:p>
@@ -11811,7 +13383,7 @@
           <a:p>
             <a:fld id="{D913E51B-3CC8-48BF-8D2A-E5FFD1B8C63F}" type="datetimeFigureOut">
               <a:rPr lang="it-IT" smtClean="0"/>
-              <a:t>01/01/2015</a:t>
+              <a:t>06/01/2015</a:t>
             </a:fld>
             <a:endParaRPr lang="it-IT"/>
           </a:p>
@@ -12680,7 +14252,7 @@
           <a:p>
             <a:fld id="{D913E51B-3CC8-48BF-8D2A-E5FFD1B8C63F}" type="datetimeFigureOut">
               <a:rPr lang="it-IT" smtClean="0"/>
-              <a:t>01/01/2015</a:t>
+              <a:t>06/01/2015</a:t>
             </a:fld>
             <a:endParaRPr lang="it-IT"/>
           </a:p>
@@ -12855,7 +14427,7 @@
           <a:p>
             <a:fld id="{D913E51B-3CC8-48BF-8D2A-E5FFD1B8C63F}" type="datetimeFigureOut">
               <a:rPr lang="it-IT" smtClean="0"/>
-              <a:t>01/01/2015</a:t>
+              <a:t>06/01/2015</a:t>
             </a:fld>
             <a:endParaRPr lang="it-IT"/>
           </a:p>
@@ -13025,7 +14597,7 @@
           <a:p>
             <a:fld id="{D913E51B-3CC8-48BF-8D2A-E5FFD1B8C63F}" type="datetimeFigureOut">
               <a:rPr lang="it-IT" smtClean="0"/>
-              <a:t>01/01/2015</a:t>
+              <a:t>06/01/2015</a:t>
             </a:fld>
             <a:endParaRPr lang="it-IT"/>
           </a:p>
@@ -13235,7 +14807,7 @@
           <a:p>
             <a:fld id="{D913E51B-3CC8-48BF-8D2A-E5FFD1B8C63F}" type="datetimeFigureOut">
               <a:rPr lang="it-IT" smtClean="0"/>
-              <a:t>01/01/2015</a:t>
+              <a:t>06/01/2015</a:t>
             </a:fld>
             <a:endParaRPr lang="it-IT"/>
           </a:p>
@@ -14049,7 +15621,7 @@
           <a:p>
             <a:fld id="{D913E51B-3CC8-48BF-8D2A-E5FFD1B8C63F}" type="datetimeFigureOut">
               <a:rPr lang="it-IT" smtClean="0"/>
-              <a:t>01/01/2015</a:t>
+              <a:t>06/01/2015</a:t>
             </a:fld>
             <a:endParaRPr lang="it-IT"/>
           </a:p>
@@ -14285,7 +15857,7 @@
           <a:p>
             <a:fld id="{D913E51B-3CC8-48BF-8D2A-E5FFD1B8C63F}" type="datetimeFigureOut">
               <a:rPr lang="it-IT" smtClean="0"/>
-              <a:t>01/01/2015</a:t>
+              <a:t>06/01/2015</a:t>
             </a:fld>
             <a:endParaRPr lang="it-IT"/>
           </a:p>
@@ -14608,7 +16180,7 @@
           <a:p>
             <a:fld id="{D913E51B-3CC8-48BF-8D2A-E5FFD1B8C63F}" type="datetimeFigureOut">
               <a:rPr lang="it-IT" smtClean="0"/>
-              <a:t>01/01/2015</a:t>
+              <a:t>06/01/2015</a:t>
             </a:fld>
             <a:endParaRPr lang="it-IT"/>
           </a:p>
@@ -14698,7 +16270,7 @@
           <a:p>
             <a:fld id="{D913E51B-3CC8-48BF-8D2A-E5FFD1B8C63F}" type="datetimeFigureOut">
               <a:rPr lang="it-IT" smtClean="0"/>
-              <a:t>01/01/2015</a:t>
+              <a:t>06/01/2015</a:t>
             </a:fld>
             <a:endParaRPr lang="it-IT"/>
           </a:p>
@@ -15215,7 +16787,7 @@
           <a:p>
             <a:fld id="{D913E51B-3CC8-48BF-8D2A-E5FFD1B8C63F}" type="datetimeFigureOut">
               <a:rPr lang="it-IT" smtClean="0"/>
-              <a:t>01/01/2015</a:t>
+              <a:t>06/01/2015</a:t>
             </a:fld>
             <a:endParaRPr lang="it-IT"/>
           </a:p>
@@ -15726,7 +17298,7 @@
           <a:p>
             <a:fld id="{D913E51B-3CC8-48BF-8D2A-E5FFD1B8C63F}" type="datetimeFigureOut">
               <a:rPr lang="it-IT" smtClean="0"/>
-              <a:t>01/01/2015</a:t>
+              <a:t>06/01/2015</a:t>
             </a:fld>
             <a:endParaRPr lang="it-IT"/>
           </a:p>
@@ -15971,7 +17543,7 @@
           <a:p>
             <a:fld id="{D913E51B-3CC8-48BF-8D2A-E5FFD1B8C63F}" type="datetimeFigureOut">
               <a:rPr lang="it-IT" smtClean="0"/>
-              <a:t>01/01/2015</a:t>
+              <a:t>06/01/2015</a:t>
             </a:fld>
             <a:endParaRPr lang="it-IT"/>
           </a:p>
@@ -16742,11 +18314,43 @@
             </a:r>
             <a:r>
               <a:rPr lang="en-GB" dirty="0" smtClean="0"/>
-              <a:t> does not implemented it so initially we write an OX1 </a:t>
-            </a:r>
-            <a:r>
-              <a:rPr lang="en-GB" dirty="0" err="1" smtClean="0"/>
-              <a:t>alghoritm</a:t>
+              <a:t> </a:t>
+            </a:r>
+            <a:r>
+              <a:rPr lang="en-GB" dirty="0" smtClean="0"/>
+              <a:t>did </a:t>
+            </a:r>
+            <a:r>
+              <a:rPr lang="en-GB" dirty="0" smtClean="0"/>
+              <a:t>not </a:t>
+            </a:r>
+            <a:r>
+              <a:rPr lang="en-GB" dirty="0" smtClean="0"/>
+              <a:t>implement it, </a:t>
+            </a:r>
+            <a:r>
+              <a:rPr lang="en-GB" dirty="0" smtClean="0"/>
+              <a:t>so initially we </a:t>
+            </a:r>
+            <a:r>
+              <a:rPr lang="en-GB" dirty="0" smtClean="0"/>
+              <a:t>wrote </a:t>
+            </a:r>
+            <a:r>
+              <a:rPr lang="en-GB" dirty="0" smtClean="0"/>
+              <a:t>an </a:t>
+            </a:r>
+            <a:r>
+              <a:rPr lang="en-GB" dirty="0"/>
+              <a:t>order crossover operator </a:t>
+            </a:r>
+            <a:r>
+              <a:rPr lang="en-GB" dirty="0" smtClean="0"/>
+              <a:t>(</a:t>
+            </a:r>
+            <a:r>
+              <a:rPr lang="en-GB" dirty="0" smtClean="0"/>
+              <a:t>OX1) algorithm</a:t>
             </a:r>
             <a:r>
               <a:rPr lang="en-GB" dirty="0" smtClean="0"/>
@@ -16765,15 +18369,23 @@
             </a:pPr>
             <a:r>
               <a:rPr lang="en-GB" dirty="0" smtClean="0"/>
-              <a:t>Later we noticed that after some generations the best solution doesn’t change so we try a new </a:t>
-            </a:r>
-            <a:r>
-              <a:rPr lang="en-GB" dirty="0" err="1" smtClean="0"/>
-              <a:t>alghoritm</a:t>
+              <a:t>Later we noticed that </a:t>
             </a:r>
             <a:r>
               <a:rPr lang="en-GB" dirty="0" smtClean="0"/>
-              <a:t> that could operate on routes, instead of single genes. </a:t>
+              <a:t>the resulting population was too homogeneous, so we decided to </a:t>
+            </a:r>
+            <a:r>
+              <a:rPr lang="en-GB" dirty="0" smtClean="0"/>
+              <a:t>try a new </a:t>
+            </a:r>
+            <a:r>
+              <a:rPr lang="en-GB" dirty="0" smtClean="0"/>
+              <a:t>algorithm </a:t>
+            </a:r>
+            <a:r>
+              <a:rPr lang="en-GB" dirty="0" smtClean="0"/>
+              <a:t>that could operate on routes, instead of single genes. </a:t>
             </a:r>
           </a:p>
           <a:p>
@@ -17689,7 +19301,69 @@
             </a:r>
             <a:r>
               <a:rPr lang="en-GB" dirty="0" smtClean="0"/>
-              <a:t> mutation simply substitute a gene with a random one but probably generates a duplicate, so we create a mutation that swap two genes.</a:t>
+              <a:t> mutation simply </a:t>
+            </a:r>
+            <a:r>
+              <a:rPr lang="en-GB" dirty="0" smtClean="0"/>
+              <a:t>substituted </a:t>
+            </a:r>
+            <a:r>
+              <a:rPr lang="en-GB" dirty="0" smtClean="0"/>
+              <a:t>a gene with a random </a:t>
+            </a:r>
+            <a:r>
+              <a:rPr lang="en-GB" dirty="0" smtClean="0"/>
+              <a:t>one, possibly generating </a:t>
+            </a:r>
+            <a:r>
+              <a:rPr lang="en-GB" dirty="0" smtClean="0"/>
+              <a:t>a </a:t>
+            </a:r>
+            <a:r>
+              <a:rPr lang="en-GB" dirty="0" smtClean="0"/>
+              <a:t>duplicate. </a:t>
+            </a:r>
+          </a:p>
+          <a:p>
+            <a:r>
+              <a:rPr lang="en-GB" dirty="0" smtClean="0"/>
+              <a:t>To avoid this,</a:t>
+            </a:r>
+            <a:r>
+              <a:rPr lang="en-GB" dirty="0" smtClean="0"/>
+              <a:t> </a:t>
+            </a:r>
+            <a:r>
+              <a:rPr lang="en-GB" dirty="0" smtClean="0"/>
+              <a:t>we </a:t>
+            </a:r>
+            <a:r>
+              <a:rPr lang="en-GB" dirty="0" smtClean="0"/>
+              <a:t>implemented a new</a:t>
+            </a:r>
+            <a:r>
+              <a:rPr lang="en-GB" dirty="0" smtClean="0"/>
+              <a:t> mutation function </a:t>
+            </a:r>
+            <a:r>
+              <a:rPr lang="en-GB" dirty="0" smtClean="0"/>
+              <a:t>that </a:t>
+            </a:r>
+            <a:r>
+              <a:rPr lang="en-GB" dirty="0" smtClean="0"/>
+              <a:t>swaps </a:t>
+            </a:r>
+            <a:r>
+              <a:rPr lang="en-GB" dirty="0" smtClean="0"/>
+              <a:t>two </a:t>
+            </a:r>
+            <a:r>
+              <a:rPr lang="en-GB" dirty="0" smtClean="0"/>
+              <a:t>genes on the </a:t>
+            </a:r>
+            <a:r>
+              <a:rPr lang="en-GB" smtClean="0"/>
+              <a:t>same chromosome.</a:t>
             </a:r>
             <a:endParaRPr lang="en-GB" dirty="0"/>
           </a:p>

--- a/Documenti/submission-example-group-12/group-12/presentation.pptx
+++ b/Documenti/submission-example-group-12/group-12/presentation.pptx
@@ -6148,6 +6148,385 @@
       <dsp:cNvGrpSpPr/>
     </dsp:nvGrpSpPr>
     <dsp:grpSpPr/>
+    <dsp:sp modelId="{313F98D7-5C72-48E7-83C7-B1678599F232}">
+      <dsp:nvSpPr>
+        <dsp:cNvPr id="0" name=""/>
+        <dsp:cNvSpPr/>
+      </dsp:nvSpPr>
+      <dsp:spPr>
+        <a:xfrm>
+          <a:off x="5357" y="1551582"/>
+          <a:ext cx="1601390" cy="960834"/>
+        </a:xfrm>
+        <a:prstGeom prst="roundRect">
+          <a:avLst>
+            <a:gd name="adj" fmla="val 10000"/>
+          </a:avLst>
+        </a:prstGeom>
+        <a:solidFill>
+          <a:schemeClr val="accent1">
+            <a:hueOff val="0"/>
+            <a:satOff val="0"/>
+            <a:lumOff val="0"/>
+            <a:alphaOff val="0"/>
+          </a:schemeClr>
+        </a:solidFill>
+        <a:ln w="25400" cap="flat" cmpd="sng" algn="ctr">
+          <a:solidFill>
+            <a:schemeClr val="lt1">
+              <a:hueOff val="0"/>
+              <a:satOff val="0"/>
+              <a:lumOff val="0"/>
+              <a:alphaOff val="0"/>
+            </a:schemeClr>
+          </a:solidFill>
+          <a:prstDash val="solid"/>
+        </a:ln>
+        <a:effectLst/>
+      </dsp:spPr>
+      <dsp:style>
+        <a:lnRef idx="2">
+          <a:scrgbClr r="0" g="0" b="0"/>
+        </a:lnRef>
+        <a:fillRef idx="1">
+          <a:scrgbClr r="0" g="0" b="0"/>
+        </a:fillRef>
+        <a:effectRef idx="0">
+          <a:scrgbClr r="0" g="0" b="0"/>
+        </a:effectRef>
+        <a:fontRef idx="minor">
+          <a:schemeClr val="lt1"/>
+        </a:fontRef>
+      </dsp:style>
+      <dsp:txBody>
+        <a:bodyPr spcFirstLastPara="0" vert="horz" wrap="square" lIns="83820" tIns="83820" rIns="83820" bIns="83820" numCol="1" spcCol="1270" anchor="ctr" anchorCtr="0">
+          <a:noAutofit/>
+        </a:bodyPr>
+        <a:lstStyle/>
+        <a:p>
+          <a:pPr lvl="0" algn="ctr" defTabSz="977900">
+            <a:lnSpc>
+              <a:spcPct val="90000"/>
+            </a:lnSpc>
+            <a:spcBef>
+              <a:spcPct val="0"/>
+            </a:spcBef>
+            <a:spcAft>
+              <a:spcPct val="35000"/>
+            </a:spcAft>
+          </a:pPr>
+          <a:r>
+            <a:rPr lang="en-GB" sz="2200" kern="1200" dirty="0" smtClean="0"/>
+            <a:t>Genetic algorithm</a:t>
+          </a:r>
+          <a:endParaRPr lang="en-GB" sz="2200" kern="1200" dirty="0"/>
+        </a:p>
+      </dsp:txBody>
+      <dsp:txXfrm>
+        <a:off x="33499" y="1579724"/>
+        <a:ext cx="1545106" cy="904550"/>
+      </dsp:txXfrm>
+    </dsp:sp>
+    <dsp:sp modelId="{642710ED-7D02-4D47-B8C8-3664D7FD45B5}">
+      <dsp:nvSpPr>
+        <dsp:cNvPr id="0" name=""/>
+        <dsp:cNvSpPr/>
+      </dsp:nvSpPr>
+      <dsp:spPr>
+        <a:xfrm>
+          <a:off x="1766887" y="1833427"/>
+          <a:ext cx="339494" cy="397144"/>
+        </a:xfrm>
+        <a:prstGeom prst="rightArrow">
+          <a:avLst>
+            <a:gd name="adj1" fmla="val 60000"/>
+            <a:gd name="adj2" fmla="val 50000"/>
+          </a:avLst>
+        </a:prstGeom>
+        <a:solidFill>
+          <a:schemeClr val="accent1">
+            <a:tint val="60000"/>
+            <a:hueOff val="0"/>
+            <a:satOff val="0"/>
+            <a:lumOff val="0"/>
+            <a:alphaOff val="0"/>
+          </a:schemeClr>
+        </a:solidFill>
+        <a:ln>
+          <a:noFill/>
+        </a:ln>
+        <a:effectLst/>
+      </dsp:spPr>
+      <dsp:style>
+        <a:lnRef idx="0">
+          <a:scrgbClr r="0" g="0" b="0"/>
+        </a:lnRef>
+        <a:fillRef idx="1">
+          <a:scrgbClr r="0" g="0" b="0"/>
+        </a:fillRef>
+        <a:effectRef idx="0">
+          <a:scrgbClr r="0" g="0" b="0"/>
+        </a:effectRef>
+        <a:fontRef idx="minor">
+          <a:schemeClr val="lt1"/>
+        </a:fontRef>
+      </dsp:style>
+      <dsp:txBody>
+        <a:bodyPr spcFirstLastPara="0" vert="horz" wrap="square" lIns="0" tIns="0" rIns="0" bIns="0" numCol="1" spcCol="1270" anchor="ctr" anchorCtr="0">
+          <a:noAutofit/>
+        </a:bodyPr>
+        <a:lstStyle/>
+        <a:p>
+          <a:pPr lvl="0" algn="ctr" defTabSz="755650">
+            <a:lnSpc>
+              <a:spcPct val="90000"/>
+            </a:lnSpc>
+            <a:spcBef>
+              <a:spcPct val="0"/>
+            </a:spcBef>
+            <a:spcAft>
+              <a:spcPct val="35000"/>
+            </a:spcAft>
+          </a:pPr>
+          <a:endParaRPr lang="en-GB" sz="1700" kern="1200"/>
+        </a:p>
+      </dsp:txBody>
+      <dsp:txXfrm>
+        <a:off x="1766887" y="1912856"/>
+        <a:ext cx="237646" cy="238286"/>
+      </dsp:txXfrm>
+    </dsp:sp>
+    <dsp:sp modelId="{A86D75A4-0862-4AED-AAED-B10829E562A8}">
+      <dsp:nvSpPr>
+        <dsp:cNvPr id="0" name=""/>
+        <dsp:cNvSpPr/>
+      </dsp:nvSpPr>
+      <dsp:spPr>
+        <a:xfrm>
+          <a:off x="2247304" y="1551582"/>
+          <a:ext cx="1601390" cy="960834"/>
+        </a:xfrm>
+        <a:prstGeom prst="roundRect">
+          <a:avLst>
+            <a:gd name="adj" fmla="val 10000"/>
+          </a:avLst>
+        </a:prstGeom>
+        <a:solidFill>
+          <a:schemeClr val="accent1">
+            <a:hueOff val="0"/>
+            <a:satOff val="0"/>
+            <a:lumOff val="0"/>
+            <a:alphaOff val="0"/>
+          </a:schemeClr>
+        </a:solidFill>
+        <a:ln w="25400" cap="flat" cmpd="sng" algn="ctr">
+          <a:solidFill>
+            <a:schemeClr val="lt1">
+              <a:hueOff val="0"/>
+              <a:satOff val="0"/>
+              <a:lumOff val="0"/>
+              <a:alphaOff val="0"/>
+            </a:schemeClr>
+          </a:solidFill>
+          <a:prstDash val="solid"/>
+        </a:ln>
+        <a:effectLst/>
+      </dsp:spPr>
+      <dsp:style>
+        <a:lnRef idx="2">
+          <a:scrgbClr r="0" g="0" b="0"/>
+        </a:lnRef>
+        <a:fillRef idx="1">
+          <a:scrgbClr r="0" g="0" b="0"/>
+        </a:fillRef>
+        <a:effectRef idx="0">
+          <a:scrgbClr r="0" g="0" b="0"/>
+        </a:effectRef>
+        <a:fontRef idx="minor">
+          <a:schemeClr val="lt1"/>
+        </a:fontRef>
+      </dsp:style>
+      <dsp:txBody>
+        <a:bodyPr spcFirstLastPara="0" vert="horz" wrap="square" lIns="83820" tIns="83820" rIns="83820" bIns="83820" numCol="1" spcCol="1270" anchor="ctr" anchorCtr="0">
+          <a:noAutofit/>
+        </a:bodyPr>
+        <a:lstStyle/>
+        <a:p>
+          <a:pPr lvl="0" algn="ctr" defTabSz="977900">
+            <a:lnSpc>
+              <a:spcPct val="90000"/>
+            </a:lnSpc>
+            <a:spcBef>
+              <a:spcPct val="0"/>
+            </a:spcBef>
+            <a:spcAft>
+              <a:spcPct val="35000"/>
+            </a:spcAft>
+          </a:pPr>
+          <a:r>
+            <a:rPr lang="en-GB" sz="2200" kern="1200" dirty="0" smtClean="0"/>
+            <a:t>Solution conversion</a:t>
+          </a:r>
+          <a:endParaRPr lang="en-GB" sz="2200" kern="1200" dirty="0"/>
+        </a:p>
+      </dsp:txBody>
+      <dsp:txXfrm>
+        <a:off x="2275446" y="1579724"/>
+        <a:ext cx="1545106" cy="904550"/>
+      </dsp:txXfrm>
+    </dsp:sp>
+    <dsp:sp modelId="{E74D95E6-EF35-43D1-919D-28F3121EDF7D}">
+      <dsp:nvSpPr>
+        <dsp:cNvPr id="0" name=""/>
+        <dsp:cNvSpPr/>
+      </dsp:nvSpPr>
+      <dsp:spPr>
+        <a:xfrm>
+          <a:off x="4008834" y="1833427"/>
+          <a:ext cx="339494" cy="397144"/>
+        </a:xfrm>
+        <a:prstGeom prst="rightArrow">
+          <a:avLst>
+            <a:gd name="adj1" fmla="val 60000"/>
+            <a:gd name="adj2" fmla="val 50000"/>
+          </a:avLst>
+        </a:prstGeom>
+        <a:solidFill>
+          <a:schemeClr val="accent1">
+            <a:tint val="60000"/>
+            <a:hueOff val="0"/>
+            <a:satOff val="0"/>
+            <a:lumOff val="0"/>
+            <a:alphaOff val="0"/>
+          </a:schemeClr>
+        </a:solidFill>
+        <a:ln>
+          <a:noFill/>
+        </a:ln>
+        <a:effectLst/>
+      </dsp:spPr>
+      <dsp:style>
+        <a:lnRef idx="0">
+          <a:scrgbClr r="0" g="0" b="0"/>
+        </a:lnRef>
+        <a:fillRef idx="1">
+          <a:scrgbClr r="0" g="0" b="0"/>
+        </a:fillRef>
+        <a:effectRef idx="0">
+          <a:scrgbClr r="0" g="0" b="0"/>
+        </a:effectRef>
+        <a:fontRef idx="minor">
+          <a:schemeClr val="lt1"/>
+        </a:fontRef>
+      </dsp:style>
+      <dsp:txBody>
+        <a:bodyPr spcFirstLastPara="0" vert="horz" wrap="square" lIns="0" tIns="0" rIns="0" bIns="0" numCol="1" spcCol="1270" anchor="ctr" anchorCtr="0">
+          <a:noAutofit/>
+        </a:bodyPr>
+        <a:lstStyle/>
+        <a:p>
+          <a:pPr lvl="0" algn="ctr" defTabSz="755650">
+            <a:lnSpc>
+              <a:spcPct val="90000"/>
+            </a:lnSpc>
+            <a:spcBef>
+              <a:spcPct val="0"/>
+            </a:spcBef>
+            <a:spcAft>
+              <a:spcPct val="35000"/>
+            </a:spcAft>
+          </a:pPr>
+          <a:endParaRPr lang="en-GB" sz="1700" kern="1200"/>
+        </a:p>
+      </dsp:txBody>
+      <dsp:txXfrm>
+        <a:off x="4008834" y="1912856"/>
+        <a:ext cx="237646" cy="238286"/>
+      </dsp:txXfrm>
+    </dsp:sp>
+    <dsp:sp modelId="{40608270-2028-4523-A2F6-AECCC3EAF433}">
+      <dsp:nvSpPr>
+        <dsp:cNvPr id="0" name=""/>
+        <dsp:cNvSpPr/>
+      </dsp:nvSpPr>
+      <dsp:spPr>
+        <a:xfrm>
+          <a:off x="4489251" y="1551582"/>
+          <a:ext cx="1601390" cy="960834"/>
+        </a:xfrm>
+        <a:prstGeom prst="roundRect">
+          <a:avLst>
+            <a:gd name="adj" fmla="val 10000"/>
+          </a:avLst>
+        </a:prstGeom>
+        <a:solidFill>
+          <a:schemeClr val="accent1">
+            <a:hueOff val="0"/>
+            <a:satOff val="0"/>
+            <a:lumOff val="0"/>
+            <a:alphaOff val="0"/>
+          </a:schemeClr>
+        </a:solidFill>
+        <a:ln w="25400" cap="flat" cmpd="sng" algn="ctr">
+          <a:solidFill>
+            <a:schemeClr val="lt1">
+              <a:hueOff val="0"/>
+              <a:satOff val="0"/>
+              <a:lumOff val="0"/>
+              <a:alphaOff val="0"/>
+            </a:schemeClr>
+          </a:solidFill>
+          <a:prstDash val="solid"/>
+        </a:ln>
+        <a:effectLst/>
+      </dsp:spPr>
+      <dsp:style>
+        <a:lnRef idx="2">
+          <a:scrgbClr r="0" g="0" b="0"/>
+        </a:lnRef>
+        <a:fillRef idx="1">
+          <a:scrgbClr r="0" g="0" b="0"/>
+        </a:fillRef>
+        <a:effectRef idx="0">
+          <a:scrgbClr r="0" g="0" b="0"/>
+        </a:effectRef>
+        <a:fontRef idx="minor">
+          <a:schemeClr val="lt1"/>
+        </a:fontRef>
+      </dsp:style>
+      <dsp:txBody>
+        <a:bodyPr spcFirstLastPara="0" vert="horz" wrap="square" lIns="83820" tIns="83820" rIns="83820" bIns="83820" numCol="1" spcCol="1270" anchor="ctr" anchorCtr="0">
+          <a:noAutofit/>
+        </a:bodyPr>
+        <a:lstStyle/>
+        <a:p>
+          <a:pPr lvl="0" algn="ctr" defTabSz="977900">
+            <a:lnSpc>
+              <a:spcPct val="90000"/>
+            </a:lnSpc>
+            <a:spcBef>
+              <a:spcPct val="0"/>
+            </a:spcBef>
+            <a:spcAft>
+              <a:spcPct val="35000"/>
+            </a:spcAft>
+          </a:pPr>
+          <a:r>
+            <a:rPr lang="en-GB" sz="2200" kern="1200" dirty="0" err="1" smtClean="0"/>
+            <a:t>Tabu</a:t>
+          </a:r>
+          <a:r>
+            <a:rPr lang="en-GB" sz="2200" kern="1200" dirty="0" smtClean="0"/>
+            <a:t> Search</a:t>
+          </a:r>
+          <a:endParaRPr lang="en-GB" sz="2200" kern="1200" dirty="0"/>
+        </a:p>
+      </dsp:txBody>
+      <dsp:txXfrm>
+        <a:off x="4517393" y="1579724"/>
+        <a:ext cx="1545106" cy="904550"/>
+      </dsp:txXfrm>
+    </dsp:sp>
   </dsp:spTree>
 </dsp:drawing>
 </file>
@@ -12320,7 +12699,7 @@
           <a:p>
             <a:fld id="{7A4AB1D7-7557-456E-B6EB-B238F6DD423E}" type="datetimeFigureOut">
               <a:rPr lang="en-GB" smtClean="0"/>
-              <a:t>06/01/2015</a:t>
+              <a:t>08/01/2015</a:t>
             </a:fld>
             <a:endParaRPr lang="en-GB"/>
           </a:p>
@@ -13383,7 +13762,7 @@
           <a:p>
             <a:fld id="{D913E51B-3CC8-48BF-8D2A-E5FFD1B8C63F}" type="datetimeFigureOut">
               <a:rPr lang="it-IT" smtClean="0"/>
-              <a:t>06/01/2015</a:t>
+              <a:t>08/01/2015</a:t>
             </a:fld>
             <a:endParaRPr lang="it-IT"/>
           </a:p>
@@ -14252,7 +14631,7 @@
           <a:p>
             <a:fld id="{D913E51B-3CC8-48BF-8D2A-E5FFD1B8C63F}" type="datetimeFigureOut">
               <a:rPr lang="it-IT" smtClean="0"/>
-              <a:t>06/01/2015</a:t>
+              <a:t>08/01/2015</a:t>
             </a:fld>
             <a:endParaRPr lang="it-IT"/>
           </a:p>
@@ -14427,7 +14806,7 @@
           <a:p>
             <a:fld id="{D913E51B-3CC8-48BF-8D2A-E5FFD1B8C63F}" type="datetimeFigureOut">
               <a:rPr lang="it-IT" smtClean="0"/>
-              <a:t>06/01/2015</a:t>
+              <a:t>08/01/2015</a:t>
             </a:fld>
             <a:endParaRPr lang="it-IT"/>
           </a:p>
@@ -14597,7 +14976,7 @@
           <a:p>
             <a:fld id="{D913E51B-3CC8-48BF-8D2A-E5FFD1B8C63F}" type="datetimeFigureOut">
               <a:rPr lang="it-IT" smtClean="0"/>
-              <a:t>06/01/2015</a:t>
+              <a:t>08/01/2015</a:t>
             </a:fld>
             <a:endParaRPr lang="it-IT"/>
           </a:p>
@@ -14807,7 +15186,7 @@
           <a:p>
             <a:fld id="{D913E51B-3CC8-48BF-8D2A-E5FFD1B8C63F}" type="datetimeFigureOut">
               <a:rPr lang="it-IT" smtClean="0"/>
-              <a:t>06/01/2015</a:t>
+              <a:t>08/01/2015</a:t>
             </a:fld>
             <a:endParaRPr lang="it-IT"/>
           </a:p>
@@ -15621,7 +16000,7 @@
           <a:p>
             <a:fld id="{D913E51B-3CC8-48BF-8D2A-E5FFD1B8C63F}" type="datetimeFigureOut">
               <a:rPr lang="it-IT" smtClean="0"/>
-              <a:t>06/01/2015</a:t>
+              <a:t>08/01/2015</a:t>
             </a:fld>
             <a:endParaRPr lang="it-IT"/>
           </a:p>
@@ -15857,7 +16236,7 @@
           <a:p>
             <a:fld id="{D913E51B-3CC8-48BF-8D2A-E5FFD1B8C63F}" type="datetimeFigureOut">
               <a:rPr lang="it-IT" smtClean="0"/>
-              <a:t>06/01/2015</a:t>
+              <a:t>08/01/2015</a:t>
             </a:fld>
             <a:endParaRPr lang="it-IT"/>
           </a:p>
@@ -16180,7 +16559,7 @@
           <a:p>
             <a:fld id="{D913E51B-3CC8-48BF-8D2A-E5FFD1B8C63F}" type="datetimeFigureOut">
               <a:rPr lang="it-IT" smtClean="0"/>
-              <a:t>06/01/2015</a:t>
+              <a:t>08/01/2015</a:t>
             </a:fld>
             <a:endParaRPr lang="it-IT"/>
           </a:p>
@@ -16270,7 +16649,7 @@
           <a:p>
             <a:fld id="{D913E51B-3CC8-48BF-8D2A-E5FFD1B8C63F}" type="datetimeFigureOut">
               <a:rPr lang="it-IT" smtClean="0"/>
-              <a:t>06/01/2015</a:t>
+              <a:t>08/01/2015</a:t>
             </a:fld>
             <a:endParaRPr lang="it-IT"/>
           </a:p>
@@ -16787,7 +17166,7 @@
           <a:p>
             <a:fld id="{D913E51B-3CC8-48BF-8D2A-E5FFD1B8C63F}" type="datetimeFigureOut">
               <a:rPr lang="it-IT" smtClean="0"/>
-              <a:t>06/01/2015</a:t>
+              <a:t>08/01/2015</a:t>
             </a:fld>
             <a:endParaRPr lang="it-IT"/>
           </a:p>
@@ -17298,7 +17677,7 @@
           <a:p>
             <a:fld id="{D913E51B-3CC8-48BF-8D2A-E5FFD1B8C63F}" type="datetimeFigureOut">
               <a:rPr lang="it-IT" smtClean="0"/>
-              <a:t>06/01/2015</a:t>
+              <a:t>08/01/2015</a:t>
             </a:fld>
             <a:endParaRPr lang="it-IT"/>
           </a:p>
@@ -17543,7 +17922,7 @@
           <a:p>
             <a:fld id="{D913E51B-3CC8-48BF-8D2A-E5FFD1B8C63F}" type="datetimeFigureOut">
               <a:rPr lang="it-IT" smtClean="0"/>
-              <a:t>06/01/2015</a:t>
+              <a:t>08/01/2015</a:t>
             </a:fld>
             <a:endParaRPr lang="it-IT"/>
           </a:p>
@@ -18314,31 +18693,7 @@
             </a:r>
             <a:r>
               <a:rPr lang="en-GB" dirty="0" smtClean="0"/>
-              <a:t> </a:t>
-            </a:r>
-            <a:r>
-              <a:rPr lang="en-GB" dirty="0" smtClean="0"/>
-              <a:t>did </a:t>
-            </a:r>
-            <a:r>
-              <a:rPr lang="en-GB" dirty="0" smtClean="0"/>
-              <a:t>not </a:t>
-            </a:r>
-            <a:r>
-              <a:rPr lang="en-GB" dirty="0" smtClean="0"/>
-              <a:t>implement it, </a:t>
-            </a:r>
-            <a:r>
-              <a:rPr lang="en-GB" dirty="0" smtClean="0"/>
-              <a:t>so initially we </a:t>
-            </a:r>
-            <a:r>
-              <a:rPr lang="en-GB" dirty="0" smtClean="0"/>
-              <a:t>wrote </a:t>
-            </a:r>
-            <a:r>
-              <a:rPr lang="en-GB" dirty="0" smtClean="0"/>
-              <a:t>an </a:t>
+              <a:t> did not implement it, so initially we wrote an </a:t>
             </a:r>
             <a:r>
               <a:rPr lang="en-GB" dirty="0"/>
@@ -18346,15 +18701,7 @@
             </a:r>
             <a:r>
               <a:rPr lang="en-GB" dirty="0" smtClean="0"/>
-              <a:t>(</a:t>
-            </a:r>
-            <a:r>
-              <a:rPr lang="en-GB" dirty="0" smtClean="0"/>
-              <a:t>OX1) algorithm</a:t>
-            </a:r>
-            <a:r>
-              <a:rPr lang="en-GB" dirty="0" smtClean="0"/>
-              <a:t>.</a:t>
+              <a:t>(OX1) algorithm.</a:t>
             </a:r>
           </a:p>
           <a:p>
@@ -18369,23 +18716,7 @@
             </a:pPr>
             <a:r>
               <a:rPr lang="en-GB" dirty="0" smtClean="0"/>
-              <a:t>Later we noticed that </a:t>
-            </a:r>
-            <a:r>
-              <a:rPr lang="en-GB" dirty="0" smtClean="0"/>
-              <a:t>the resulting population was too homogeneous, so we decided to </a:t>
-            </a:r>
-            <a:r>
-              <a:rPr lang="en-GB" dirty="0" smtClean="0"/>
-              <a:t>try a new </a:t>
-            </a:r>
-            <a:r>
-              <a:rPr lang="en-GB" dirty="0" smtClean="0"/>
-              <a:t>algorithm </a:t>
-            </a:r>
-            <a:r>
-              <a:rPr lang="en-GB" dirty="0" smtClean="0"/>
-              <a:t>that could operate on routes, instead of single genes. </a:t>
+              <a:t>Later we noticed that the resulting population was too homogeneous, so we decided to try a new algorithm that could operate on routes, instead of single genes. </a:t>
             </a:r>
           </a:p>
           <a:p>
@@ -19301,65 +19632,13 @@
             </a:r>
             <a:r>
               <a:rPr lang="en-GB" dirty="0" smtClean="0"/>
-              <a:t> mutation simply </a:t>
-            </a:r>
+              <a:t> mutation simply substituted a gene with a random one, possibly generating a duplicate. </a:t>
+            </a:r>
+          </a:p>
+          <a:p>
             <a:r>
               <a:rPr lang="en-GB" dirty="0" smtClean="0"/>
-              <a:t>substituted </a:t>
-            </a:r>
-            <a:r>
-              <a:rPr lang="en-GB" dirty="0" smtClean="0"/>
-              <a:t>a gene with a random </a:t>
-            </a:r>
-            <a:r>
-              <a:rPr lang="en-GB" dirty="0" smtClean="0"/>
-              <a:t>one, possibly generating </a:t>
-            </a:r>
-            <a:r>
-              <a:rPr lang="en-GB" dirty="0" smtClean="0"/>
-              <a:t>a </a:t>
-            </a:r>
-            <a:r>
-              <a:rPr lang="en-GB" dirty="0" smtClean="0"/>
-              <a:t>duplicate. </a:t>
-            </a:r>
-          </a:p>
-          <a:p>
-            <a:r>
-              <a:rPr lang="en-GB" dirty="0" smtClean="0"/>
-              <a:t>To avoid this,</a:t>
-            </a:r>
-            <a:r>
-              <a:rPr lang="en-GB" dirty="0" smtClean="0"/>
-              <a:t> </a:t>
-            </a:r>
-            <a:r>
-              <a:rPr lang="en-GB" dirty="0" smtClean="0"/>
-              <a:t>we </a:t>
-            </a:r>
-            <a:r>
-              <a:rPr lang="en-GB" dirty="0" smtClean="0"/>
-              <a:t>implemented a new</a:t>
-            </a:r>
-            <a:r>
-              <a:rPr lang="en-GB" dirty="0" smtClean="0"/>
-              <a:t> mutation function </a:t>
-            </a:r>
-            <a:r>
-              <a:rPr lang="en-GB" dirty="0" smtClean="0"/>
-              <a:t>that </a:t>
-            </a:r>
-            <a:r>
-              <a:rPr lang="en-GB" dirty="0" smtClean="0"/>
-              <a:t>swaps </a:t>
-            </a:r>
-            <a:r>
-              <a:rPr lang="en-GB" dirty="0" smtClean="0"/>
-              <a:t>two </a:t>
-            </a:r>
-            <a:r>
-              <a:rPr lang="en-GB" dirty="0" smtClean="0"/>
-              <a:t>genes on the </a:t>
+              <a:t>To avoid this, we implemented a new mutation function that swaps two genes on the </a:t>
             </a:r>
             <a:r>
               <a:rPr lang="en-GB" smtClean="0"/>
